--- a/posters/flashtojsposter_A0.pptx
+++ b/posters/flashtojsposter_A0.pptx
@@ -151,7 +151,7 @@
       </p:grpSpPr>
       <p:sp>
         <p:nvSpPr>
-          <p:cNvPr id="24" name="PlaceHolder 1"/>
+          <p:cNvPr id="22" name="PlaceHolder 1"/>
           <p:cNvSpPr>
             <a:spLocks noGrp="1"/>
           </p:cNvSpPr>
@@ -172,8 +172,7 @@
           <a:bodyPr lIns="0" tIns="0" rIns="0" bIns="0" anchor="ctr"/>
           <a:lstStyle/>
           <a:p>
-            <a:pPr algn="ctr"/>
-            <a:endParaRPr lang="en-IN" sz="4400" b="0" strike="noStrike" spc="-1">
+            <a:endParaRPr lang="en-US" sz="1800" b="0" strike="noStrike" spc="-1">
               <a:solidFill>
                 <a:srgbClr val="000000"/>
               </a:solidFill>
@@ -189,7 +188,7 @@
       </p:sp>
       <p:sp>
         <p:nvSpPr>
-          <p:cNvPr id="25" name="PlaceHolder 2"/>
+          <p:cNvPr id="23" name="PlaceHolder 2"/>
           <p:cNvSpPr>
             <a:spLocks noGrp="1"/>
           </p:cNvSpPr>
@@ -210,7 +209,7 @@
           <a:bodyPr lIns="0" tIns="0" rIns="0" bIns="0"/>
           <a:lstStyle/>
           <a:p>
-            <a:endParaRPr lang="en-IN" sz="3200" b="0" strike="noStrike" spc="-1">
+            <a:endParaRPr lang="en-US" sz="1800" b="0" strike="noStrike" spc="-1">
               <a:solidFill>
                 <a:srgbClr val="000000"/>
               </a:solidFill>
@@ -226,7 +225,7 @@
       </p:sp>
       <p:sp>
         <p:nvSpPr>
-          <p:cNvPr id="26" name="PlaceHolder 3"/>
+          <p:cNvPr id="24" name="PlaceHolder 3"/>
           <p:cNvSpPr>
             <a:spLocks noGrp="1"/>
           </p:cNvSpPr>
@@ -247,7 +246,7 @@
           <a:bodyPr lIns="0" tIns="0" rIns="0" bIns="0"/>
           <a:lstStyle/>
           <a:p>
-            <a:endParaRPr lang="en-IN" sz="3200" b="0" strike="noStrike" spc="-1">
+            <a:endParaRPr lang="en-US" sz="1800" b="0" strike="noStrike" spc="-1">
               <a:solidFill>
                 <a:srgbClr val="000000"/>
               </a:solidFill>
@@ -288,7 +287,7 @@
       </p:grpSpPr>
       <p:sp>
         <p:nvSpPr>
-          <p:cNvPr id="27" name="PlaceHolder 1"/>
+          <p:cNvPr id="25" name="PlaceHolder 1"/>
           <p:cNvSpPr>
             <a:spLocks noGrp="1"/>
           </p:cNvSpPr>
@@ -309,8 +308,7 @@
           <a:bodyPr lIns="0" tIns="0" rIns="0" bIns="0" anchor="ctr"/>
           <a:lstStyle/>
           <a:p>
-            <a:pPr algn="ctr"/>
-            <a:endParaRPr lang="en-IN" sz="4400" b="0" strike="noStrike" spc="-1">
+            <a:endParaRPr lang="en-US" sz="1800" b="0" strike="noStrike" spc="-1">
               <a:solidFill>
                 <a:srgbClr val="000000"/>
               </a:solidFill>
@@ -326,7 +324,7 @@
       </p:sp>
       <p:sp>
         <p:nvSpPr>
-          <p:cNvPr id="28" name="PlaceHolder 2"/>
+          <p:cNvPr id="26" name="PlaceHolder 2"/>
           <p:cNvSpPr>
             <a:spLocks noGrp="1"/>
           </p:cNvSpPr>
@@ -347,7 +345,7 @@
           <a:bodyPr lIns="0" tIns="0" rIns="0" bIns="0"/>
           <a:lstStyle/>
           <a:p>
-            <a:endParaRPr lang="en-IN" sz="3200" b="0" strike="noStrike" spc="-1">
+            <a:endParaRPr lang="en-US" sz="1800" b="0" strike="noStrike" spc="-1">
               <a:solidFill>
                 <a:srgbClr val="000000"/>
               </a:solidFill>
@@ -363,7 +361,7 @@
       </p:sp>
       <p:sp>
         <p:nvSpPr>
-          <p:cNvPr id="29" name="PlaceHolder 3"/>
+          <p:cNvPr id="27" name="PlaceHolder 3"/>
           <p:cNvSpPr>
             <a:spLocks noGrp="1"/>
           </p:cNvSpPr>
@@ -384,7 +382,7 @@
           <a:bodyPr lIns="0" tIns="0" rIns="0" bIns="0"/>
           <a:lstStyle/>
           <a:p>
-            <a:endParaRPr lang="en-IN" sz="3200" b="0" strike="noStrike" spc="-1">
+            <a:endParaRPr lang="en-US" sz="1800" b="0" strike="noStrike" spc="-1">
               <a:solidFill>
                 <a:srgbClr val="000000"/>
               </a:solidFill>
@@ -400,7 +398,7 @@
       </p:sp>
       <p:sp>
         <p:nvSpPr>
-          <p:cNvPr id="30" name="PlaceHolder 4"/>
+          <p:cNvPr id="28" name="PlaceHolder 4"/>
           <p:cNvSpPr>
             <a:spLocks noGrp="1"/>
           </p:cNvSpPr>
@@ -421,7 +419,7 @@
           <a:bodyPr lIns="0" tIns="0" rIns="0" bIns="0"/>
           <a:lstStyle/>
           <a:p>
-            <a:endParaRPr lang="en-IN" sz="3200" b="0" strike="noStrike" spc="-1">
+            <a:endParaRPr lang="en-US" sz="1800" b="0" strike="noStrike" spc="-1">
               <a:solidFill>
                 <a:srgbClr val="000000"/>
               </a:solidFill>
@@ -437,7 +435,7 @@
       </p:sp>
       <p:sp>
         <p:nvSpPr>
-          <p:cNvPr id="31" name="PlaceHolder 5"/>
+          <p:cNvPr id="29" name="PlaceHolder 5"/>
           <p:cNvSpPr>
             <a:spLocks noGrp="1"/>
           </p:cNvSpPr>
@@ -458,7 +456,7 @@
           <a:bodyPr lIns="0" tIns="0" rIns="0" bIns="0"/>
           <a:lstStyle/>
           <a:p>
-            <a:endParaRPr lang="en-IN" sz="3200" b="0" strike="noStrike" spc="-1">
+            <a:endParaRPr lang="en-US" sz="1800" b="0" strike="noStrike" spc="-1">
               <a:solidFill>
                 <a:srgbClr val="000000"/>
               </a:solidFill>
@@ -499,7 +497,7 @@
       </p:grpSpPr>
       <p:sp>
         <p:nvSpPr>
-          <p:cNvPr id="32" name="PlaceHolder 1"/>
+          <p:cNvPr id="30" name="PlaceHolder 1"/>
           <p:cNvSpPr>
             <a:spLocks noGrp="1"/>
           </p:cNvSpPr>
@@ -520,8 +518,7 @@
           <a:bodyPr lIns="0" tIns="0" rIns="0" bIns="0" anchor="ctr"/>
           <a:lstStyle/>
           <a:p>
-            <a:pPr algn="ctr"/>
-            <a:endParaRPr lang="en-IN" sz="4400" b="0" strike="noStrike" spc="-1">
+            <a:endParaRPr lang="en-US" sz="1800" b="0" strike="noStrike" spc="-1">
               <a:solidFill>
                 <a:srgbClr val="000000"/>
               </a:solidFill>
@@ -537,7 +534,7 @@
       </p:sp>
       <p:sp>
         <p:nvSpPr>
-          <p:cNvPr id="33" name="PlaceHolder 2"/>
+          <p:cNvPr id="31" name="PlaceHolder 2"/>
           <p:cNvSpPr>
             <a:spLocks noGrp="1"/>
           </p:cNvSpPr>
@@ -558,7 +555,7 @@
           <a:bodyPr lIns="0" tIns="0" rIns="0" bIns="0"/>
           <a:lstStyle/>
           <a:p>
-            <a:endParaRPr lang="en-IN" sz="3200" b="0" strike="noStrike" spc="-1">
+            <a:endParaRPr lang="en-US" sz="1800" b="0" strike="noStrike" spc="-1">
               <a:solidFill>
                 <a:srgbClr val="000000"/>
               </a:solidFill>
@@ -574,7 +571,7 @@
       </p:sp>
       <p:sp>
         <p:nvSpPr>
-          <p:cNvPr id="34" name="PlaceHolder 3"/>
+          <p:cNvPr id="32" name="PlaceHolder 3"/>
           <p:cNvSpPr>
             <a:spLocks noGrp="1"/>
           </p:cNvSpPr>
@@ -595,7 +592,7 @@
           <a:bodyPr lIns="0" tIns="0" rIns="0" bIns="0"/>
           <a:lstStyle/>
           <a:p>
-            <a:endParaRPr lang="en-IN" sz="3200" b="0" strike="noStrike" spc="-1">
+            <a:endParaRPr lang="en-US" sz="1800" b="0" strike="noStrike" spc="-1">
               <a:solidFill>
                 <a:srgbClr val="000000"/>
               </a:solidFill>
@@ -611,7 +608,7 @@
       </p:sp>
       <p:pic>
         <p:nvPicPr>
-          <p:cNvPr id="35" name="Picture 34"/>
+          <p:cNvPr id="33" name="Picture 32"/>
           <p:cNvPicPr/>
           <p:nvPr/>
         </p:nvPicPr>
@@ -634,7 +631,7 @@
       </p:pic>
       <p:pic>
         <p:nvPicPr>
-          <p:cNvPr id="36" name="Picture 35"/>
+          <p:cNvPr id="34" name="Picture 33"/>
           <p:cNvPicPr/>
           <p:nvPr/>
         </p:nvPicPr>
@@ -703,8 +700,7 @@
           <a:bodyPr lIns="0" tIns="0" rIns="0" bIns="0" anchor="ctr"/>
           <a:lstStyle/>
           <a:p>
-            <a:pPr algn="ctr"/>
-            <a:endParaRPr lang="en-IN" sz="4400" b="0" strike="noStrike" spc="-1">
+            <a:endParaRPr lang="en-US" sz="1800" b="0" strike="noStrike" spc="-1">
               <a:solidFill>
                 <a:srgbClr val="000000"/>
               </a:solidFill>
@@ -720,7 +716,7 @@
       </p:sp>
       <p:sp>
         <p:nvSpPr>
-          <p:cNvPr id="4" name="PlaceHolder 2"/>
+          <p:cNvPr id="2" name="PlaceHolder 2"/>
           <p:cNvSpPr>
             <a:spLocks noGrp="1"/>
           </p:cNvSpPr>
@@ -783,7 +779,7 @@
       </p:grpSpPr>
       <p:sp>
         <p:nvSpPr>
-          <p:cNvPr id="5" name="PlaceHolder 1"/>
+          <p:cNvPr id="3" name="PlaceHolder 1"/>
           <p:cNvSpPr>
             <a:spLocks noGrp="1"/>
           </p:cNvSpPr>
@@ -804,8 +800,7 @@
           <a:bodyPr lIns="0" tIns="0" rIns="0" bIns="0" anchor="ctr"/>
           <a:lstStyle/>
           <a:p>
-            <a:pPr algn="ctr"/>
-            <a:endParaRPr lang="en-IN" sz="4400" b="0" strike="noStrike" spc="-1">
+            <a:endParaRPr lang="en-US" sz="1800" b="0" strike="noStrike" spc="-1">
               <a:solidFill>
                 <a:srgbClr val="000000"/>
               </a:solidFill>
@@ -821,7 +816,7 @@
       </p:sp>
       <p:sp>
         <p:nvSpPr>
-          <p:cNvPr id="6" name="PlaceHolder 2"/>
+          <p:cNvPr id="4" name="PlaceHolder 2"/>
           <p:cNvSpPr>
             <a:spLocks noGrp="1"/>
           </p:cNvSpPr>
@@ -842,7 +837,7 @@
           <a:bodyPr lIns="0" tIns="0" rIns="0" bIns="0"/>
           <a:lstStyle/>
           <a:p>
-            <a:endParaRPr lang="en-IN" sz="3200" b="0" strike="noStrike" spc="-1">
+            <a:endParaRPr lang="en-US" sz="1800" b="0" strike="noStrike" spc="-1">
               <a:solidFill>
                 <a:srgbClr val="000000"/>
               </a:solidFill>
@@ -883,7 +878,7 @@
       </p:grpSpPr>
       <p:sp>
         <p:nvSpPr>
-          <p:cNvPr id="7" name="PlaceHolder 1"/>
+          <p:cNvPr id="5" name="PlaceHolder 1"/>
           <p:cNvSpPr>
             <a:spLocks noGrp="1"/>
           </p:cNvSpPr>
@@ -904,8 +899,7 @@
           <a:bodyPr lIns="0" tIns="0" rIns="0" bIns="0" anchor="ctr"/>
           <a:lstStyle/>
           <a:p>
-            <a:pPr algn="ctr"/>
-            <a:endParaRPr lang="en-IN" sz="4400" b="0" strike="noStrike" spc="-1">
+            <a:endParaRPr lang="en-US" sz="1800" b="0" strike="noStrike" spc="-1">
               <a:solidFill>
                 <a:srgbClr val="000000"/>
               </a:solidFill>
@@ -921,7 +915,7 @@
       </p:sp>
       <p:sp>
         <p:nvSpPr>
-          <p:cNvPr id="8" name="PlaceHolder 2"/>
+          <p:cNvPr id="6" name="PlaceHolder 2"/>
           <p:cNvSpPr>
             <a:spLocks noGrp="1"/>
           </p:cNvSpPr>
@@ -942,7 +936,7 @@
           <a:bodyPr lIns="0" tIns="0" rIns="0" bIns="0"/>
           <a:lstStyle/>
           <a:p>
-            <a:endParaRPr lang="en-IN" sz="3200" b="0" strike="noStrike" spc="-1">
+            <a:endParaRPr lang="en-US" sz="1800" b="0" strike="noStrike" spc="-1">
               <a:solidFill>
                 <a:srgbClr val="000000"/>
               </a:solidFill>
@@ -958,7 +952,7 @@
       </p:sp>
       <p:sp>
         <p:nvSpPr>
-          <p:cNvPr id="9" name="PlaceHolder 3"/>
+          <p:cNvPr id="7" name="PlaceHolder 3"/>
           <p:cNvSpPr>
             <a:spLocks noGrp="1"/>
           </p:cNvSpPr>
@@ -979,7 +973,7 @@
           <a:bodyPr lIns="0" tIns="0" rIns="0" bIns="0"/>
           <a:lstStyle/>
           <a:p>
-            <a:endParaRPr lang="en-IN" sz="3200" b="0" strike="noStrike" spc="-1">
+            <a:endParaRPr lang="en-US" sz="1800" b="0" strike="noStrike" spc="-1">
               <a:solidFill>
                 <a:srgbClr val="000000"/>
               </a:solidFill>
@@ -1020,7 +1014,7 @@
       </p:grpSpPr>
       <p:sp>
         <p:nvSpPr>
-          <p:cNvPr id="10" name="PlaceHolder 1"/>
+          <p:cNvPr id="8" name="PlaceHolder 1"/>
           <p:cNvSpPr>
             <a:spLocks noGrp="1"/>
           </p:cNvSpPr>
@@ -1041,8 +1035,7 @@
           <a:bodyPr lIns="0" tIns="0" rIns="0" bIns="0" anchor="ctr"/>
           <a:lstStyle/>
           <a:p>
-            <a:pPr algn="ctr"/>
-            <a:endParaRPr lang="en-IN" sz="4400" b="0" strike="noStrike" spc="-1">
+            <a:endParaRPr lang="en-US" sz="1800" b="0" strike="noStrike" spc="-1">
               <a:solidFill>
                 <a:srgbClr val="000000"/>
               </a:solidFill>
@@ -1083,7 +1076,7 @@
       </p:grpSpPr>
       <p:sp>
         <p:nvSpPr>
-          <p:cNvPr id="11" name="PlaceHolder 1"/>
+          <p:cNvPr id="9" name="PlaceHolder 1"/>
           <p:cNvSpPr>
             <a:spLocks noGrp="1"/>
           </p:cNvSpPr>
@@ -1146,7 +1139,7 @@
       </p:grpSpPr>
       <p:sp>
         <p:nvSpPr>
-          <p:cNvPr id="12" name="PlaceHolder 1"/>
+          <p:cNvPr id="10" name="PlaceHolder 1"/>
           <p:cNvSpPr>
             <a:spLocks noGrp="1"/>
           </p:cNvSpPr>
@@ -1167,8 +1160,7 @@
           <a:bodyPr lIns="0" tIns="0" rIns="0" bIns="0" anchor="ctr"/>
           <a:lstStyle/>
           <a:p>
-            <a:pPr algn="ctr"/>
-            <a:endParaRPr lang="en-IN" sz="4400" b="0" strike="noStrike" spc="-1">
+            <a:endParaRPr lang="en-US" sz="1800" b="0" strike="noStrike" spc="-1">
               <a:solidFill>
                 <a:srgbClr val="000000"/>
               </a:solidFill>
@@ -1184,7 +1176,7 @@
       </p:sp>
       <p:sp>
         <p:nvSpPr>
-          <p:cNvPr id="13" name="PlaceHolder 2"/>
+          <p:cNvPr id="11" name="PlaceHolder 2"/>
           <p:cNvSpPr>
             <a:spLocks noGrp="1"/>
           </p:cNvSpPr>
@@ -1205,7 +1197,7 @@
           <a:bodyPr lIns="0" tIns="0" rIns="0" bIns="0"/>
           <a:lstStyle/>
           <a:p>
-            <a:endParaRPr lang="en-IN" sz="3200" b="0" strike="noStrike" spc="-1">
+            <a:endParaRPr lang="en-US" sz="1800" b="0" strike="noStrike" spc="-1">
               <a:solidFill>
                 <a:srgbClr val="000000"/>
               </a:solidFill>
@@ -1221,7 +1213,7 @@
       </p:sp>
       <p:sp>
         <p:nvSpPr>
-          <p:cNvPr id="14" name="PlaceHolder 3"/>
+          <p:cNvPr id="12" name="PlaceHolder 3"/>
           <p:cNvSpPr>
             <a:spLocks noGrp="1"/>
           </p:cNvSpPr>
@@ -1242,7 +1234,7 @@
           <a:bodyPr lIns="0" tIns="0" rIns="0" bIns="0"/>
           <a:lstStyle/>
           <a:p>
-            <a:endParaRPr lang="en-IN" sz="3200" b="0" strike="noStrike" spc="-1">
+            <a:endParaRPr lang="en-US" sz="1800" b="0" strike="noStrike" spc="-1">
               <a:solidFill>
                 <a:srgbClr val="000000"/>
               </a:solidFill>
@@ -1258,7 +1250,7 @@
       </p:sp>
       <p:sp>
         <p:nvSpPr>
-          <p:cNvPr id="15" name="PlaceHolder 4"/>
+          <p:cNvPr id="13" name="PlaceHolder 4"/>
           <p:cNvSpPr>
             <a:spLocks noGrp="1"/>
           </p:cNvSpPr>
@@ -1279,7 +1271,7 @@
           <a:bodyPr lIns="0" tIns="0" rIns="0" bIns="0"/>
           <a:lstStyle/>
           <a:p>
-            <a:endParaRPr lang="en-IN" sz="3200" b="0" strike="noStrike" spc="-1">
+            <a:endParaRPr lang="en-US" sz="1800" b="0" strike="noStrike" spc="-1">
               <a:solidFill>
                 <a:srgbClr val="000000"/>
               </a:solidFill>
@@ -1320,7 +1312,7 @@
       </p:grpSpPr>
       <p:sp>
         <p:nvSpPr>
-          <p:cNvPr id="16" name="PlaceHolder 1"/>
+          <p:cNvPr id="14" name="PlaceHolder 1"/>
           <p:cNvSpPr>
             <a:spLocks noGrp="1"/>
           </p:cNvSpPr>
@@ -1341,8 +1333,7 @@
           <a:bodyPr lIns="0" tIns="0" rIns="0" bIns="0" anchor="ctr"/>
           <a:lstStyle/>
           <a:p>
-            <a:pPr algn="ctr"/>
-            <a:endParaRPr lang="en-IN" sz="4400" b="0" strike="noStrike" spc="-1">
+            <a:endParaRPr lang="en-US" sz="1800" b="0" strike="noStrike" spc="-1">
               <a:solidFill>
                 <a:srgbClr val="000000"/>
               </a:solidFill>
@@ -1358,7 +1349,7 @@
       </p:sp>
       <p:sp>
         <p:nvSpPr>
-          <p:cNvPr id="17" name="PlaceHolder 2"/>
+          <p:cNvPr id="15" name="PlaceHolder 2"/>
           <p:cNvSpPr>
             <a:spLocks noGrp="1"/>
           </p:cNvSpPr>
@@ -1379,7 +1370,7 @@
           <a:bodyPr lIns="0" tIns="0" rIns="0" bIns="0"/>
           <a:lstStyle/>
           <a:p>
-            <a:endParaRPr lang="en-IN" sz="3200" b="0" strike="noStrike" spc="-1">
+            <a:endParaRPr lang="en-US" sz="1800" b="0" strike="noStrike" spc="-1">
               <a:solidFill>
                 <a:srgbClr val="000000"/>
               </a:solidFill>
@@ -1395,7 +1386,7 @@
       </p:sp>
       <p:sp>
         <p:nvSpPr>
-          <p:cNvPr id="18" name="PlaceHolder 3"/>
+          <p:cNvPr id="16" name="PlaceHolder 3"/>
           <p:cNvSpPr>
             <a:spLocks noGrp="1"/>
           </p:cNvSpPr>
@@ -1416,7 +1407,7 @@
           <a:bodyPr lIns="0" tIns="0" rIns="0" bIns="0"/>
           <a:lstStyle/>
           <a:p>
-            <a:endParaRPr lang="en-IN" sz="3200" b="0" strike="noStrike" spc="-1">
+            <a:endParaRPr lang="en-US" sz="1800" b="0" strike="noStrike" spc="-1">
               <a:solidFill>
                 <a:srgbClr val="000000"/>
               </a:solidFill>
@@ -1432,7 +1423,7 @@
       </p:sp>
       <p:sp>
         <p:nvSpPr>
-          <p:cNvPr id="19" name="PlaceHolder 4"/>
+          <p:cNvPr id="17" name="PlaceHolder 4"/>
           <p:cNvSpPr>
             <a:spLocks noGrp="1"/>
           </p:cNvSpPr>
@@ -1453,7 +1444,7 @@
           <a:bodyPr lIns="0" tIns="0" rIns="0" bIns="0"/>
           <a:lstStyle/>
           <a:p>
-            <a:endParaRPr lang="en-IN" sz="3200" b="0" strike="noStrike" spc="-1">
+            <a:endParaRPr lang="en-US" sz="1800" b="0" strike="noStrike" spc="-1">
               <a:solidFill>
                 <a:srgbClr val="000000"/>
               </a:solidFill>
@@ -1494,7 +1485,7 @@
       </p:grpSpPr>
       <p:sp>
         <p:nvSpPr>
-          <p:cNvPr id="20" name="PlaceHolder 1"/>
+          <p:cNvPr id="18" name="PlaceHolder 1"/>
           <p:cNvSpPr>
             <a:spLocks noGrp="1"/>
           </p:cNvSpPr>
@@ -1515,8 +1506,7 @@
           <a:bodyPr lIns="0" tIns="0" rIns="0" bIns="0" anchor="ctr"/>
           <a:lstStyle/>
           <a:p>
-            <a:pPr algn="ctr"/>
-            <a:endParaRPr lang="en-IN" sz="4400" b="0" strike="noStrike" spc="-1">
+            <a:endParaRPr lang="en-US" sz="1800" b="0" strike="noStrike" spc="-1">
               <a:solidFill>
                 <a:srgbClr val="000000"/>
               </a:solidFill>
@@ -1532,7 +1522,7 @@
       </p:sp>
       <p:sp>
         <p:nvSpPr>
-          <p:cNvPr id="21" name="PlaceHolder 2"/>
+          <p:cNvPr id="19" name="PlaceHolder 2"/>
           <p:cNvSpPr>
             <a:spLocks noGrp="1"/>
           </p:cNvSpPr>
@@ -1553,7 +1543,7 @@
           <a:bodyPr lIns="0" tIns="0" rIns="0" bIns="0"/>
           <a:lstStyle/>
           <a:p>
-            <a:endParaRPr lang="en-IN" sz="3200" b="0" strike="noStrike" spc="-1">
+            <a:endParaRPr lang="en-US" sz="1800" b="0" strike="noStrike" spc="-1">
               <a:solidFill>
                 <a:srgbClr val="000000"/>
               </a:solidFill>
@@ -1569,7 +1559,7 @@
       </p:sp>
       <p:sp>
         <p:nvSpPr>
-          <p:cNvPr id="22" name="PlaceHolder 3"/>
+          <p:cNvPr id="20" name="PlaceHolder 3"/>
           <p:cNvSpPr>
             <a:spLocks noGrp="1"/>
           </p:cNvSpPr>
@@ -1590,7 +1580,7 @@
           <a:bodyPr lIns="0" tIns="0" rIns="0" bIns="0"/>
           <a:lstStyle/>
           <a:p>
-            <a:endParaRPr lang="en-IN" sz="3200" b="0" strike="noStrike" spc="-1">
+            <a:endParaRPr lang="en-US" sz="1800" b="0" strike="noStrike" spc="-1">
               <a:solidFill>
                 <a:srgbClr val="000000"/>
               </a:solidFill>
@@ -1606,7 +1596,7 @@
       </p:sp>
       <p:sp>
         <p:nvSpPr>
-          <p:cNvPr id="23" name="PlaceHolder 4"/>
+          <p:cNvPr id="21" name="PlaceHolder 4"/>
           <p:cNvSpPr>
             <a:spLocks noGrp="1"/>
           </p:cNvSpPr>
@@ -1627,7 +1617,7 @@
           <a:bodyPr lIns="0" tIns="0" rIns="0" bIns="0"/>
           <a:lstStyle/>
           <a:p>
-            <a:endParaRPr lang="en-IN" sz="3200" b="0" strike="noStrike" spc="-1">
+            <a:endParaRPr lang="en-US" sz="1800" b="0" strike="noStrike" spc="-1">
               <a:solidFill>
                 <a:srgbClr val="000000"/>
               </a:solidFill>
@@ -1676,7 +1666,7 @@
       </p:grpSpPr>
       <p:pic>
         <p:nvPicPr>
-          <p:cNvPr id="3" name="Picture 8"/>
+          <p:cNvPr id="2" name="Picture 8"/>
           <p:cNvPicPr/>
           <p:nvPr/>
         </p:nvPicPr>
@@ -1687,7 +1677,7 @@
         <p:spPr>
           <a:xfrm>
             <a:off x="360" y="0"/>
-            <a:ext cx="21386880" cy="15123240"/>
+            <a:ext cx="21386520" cy="15122880"/>
           </a:xfrm>
           <a:prstGeom prst="rect">
             <a:avLst/>
@@ -1697,239 +1687,6 @@
           </a:ln>
         </p:spPr>
       </p:pic>
-      <p:sp>
-        <p:nvSpPr>
-          <p:cNvPr id="4" name="PlaceHolder 1"/>
-          <p:cNvSpPr>
-            <a:spLocks noGrp="1"/>
-          </p:cNvSpPr>
-          <p:nvPr>
-            <p:ph type="title"/>
-          </p:nvPr>
-        </p:nvSpPr>
-        <p:spPr>
-          <a:xfrm>
-            <a:off x="1069200" y="603360"/>
-            <a:ext cx="19248840" cy="2525040"/>
-          </a:xfrm>
-          <a:prstGeom prst="rect">
-            <a:avLst/>
-          </a:prstGeom>
-        </p:spPr>
-        <p:txBody>
-          <a:bodyPr lIns="0" tIns="0" rIns="0" bIns="0" anchor="ctr"/>
-          <a:lstStyle/>
-          <a:p>
-            <a:pPr algn="ctr"/>
-            <a:r>
-              <a:rPr lang="en-IN" sz="4400" b="0" strike="noStrike" spc="-1">
-                <a:solidFill>
-                  <a:srgbClr val="000000"/>
-                </a:solidFill>
-                <a:uFill>
-                  <a:solidFill>
-                    <a:srgbClr val="FFFFFF"/>
-                  </a:solidFill>
-                </a:uFill>
-                <a:latin typeface="Arial"/>
-              </a:rPr>
-              <a:t>Click to edit the title text format</a:t>
-            </a:r>
-          </a:p>
-        </p:txBody>
-      </p:sp>
-      <p:sp>
-        <p:nvSpPr>
-          <p:cNvPr id="2" name="PlaceHolder 2"/>
-          <p:cNvSpPr>
-            <a:spLocks noGrp="1"/>
-          </p:cNvSpPr>
-          <p:nvPr>
-            <p:ph type="body"/>
-          </p:nvPr>
-        </p:nvSpPr>
-        <p:spPr>
-          <a:xfrm>
-            <a:off x="1069200" y="3538800"/>
-            <a:ext cx="19248840" cy="8771400"/>
-          </a:xfrm>
-          <a:prstGeom prst="rect">
-            <a:avLst/>
-          </a:prstGeom>
-        </p:spPr>
-        <p:txBody>
-          <a:bodyPr lIns="0" tIns="0" rIns="0" bIns="0"/>
-          <a:lstStyle/>
-          <a:p>
-            <a:pPr marL="432000" indent="-324000">
-              <a:buClr>
-                <a:srgbClr val="000000"/>
-              </a:buClr>
-              <a:buSzPct val="45000"/>
-              <a:buFont typeface="Wingdings" charset="2"/>
-              <a:buChar char=""/>
-            </a:pPr>
-            <a:r>
-              <a:rPr lang="en-IN" sz="3200" b="0" strike="noStrike" spc="-1">
-                <a:solidFill>
-                  <a:srgbClr val="000000"/>
-                </a:solidFill>
-                <a:uFill>
-                  <a:solidFill>
-                    <a:srgbClr val="FFFFFF"/>
-                  </a:solidFill>
-                </a:uFill>
-                <a:latin typeface="Arial"/>
-              </a:rPr>
-              <a:t>Click to edit the outline text format</a:t>
-            </a:r>
-          </a:p>
-          <a:p>
-            <a:pPr marL="864000" lvl="1" indent="-324000">
-              <a:buClr>
-                <a:srgbClr val="000000"/>
-              </a:buClr>
-              <a:buSzPct val="75000"/>
-              <a:buFont typeface="Symbol" charset="2"/>
-              <a:buChar char=""/>
-            </a:pPr>
-            <a:r>
-              <a:rPr lang="en-IN" sz="2800" b="0" strike="noStrike" spc="-1">
-                <a:solidFill>
-                  <a:srgbClr val="000000"/>
-                </a:solidFill>
-                <a:uFill>
-                  <a:solidFill>
-                    <a:srgbClr val="FFFFFF"/>
-                  </a:solidFill>
-                </a:uFill>
-                <a:latin typeface="Arial"/>
-              </a:rPr>
-              <a:t>Second Outline Level</a:t>
-            </a:r>
-          </a:p>
-          <a:p>
-            <a:pPr marL="1296000" lvl="2" indent="-288000">
-              <a:buClr>
-                <a:srgbClr val="000000"/>
-              </a:buClr>
-              <a:buSzPct val="45000"/>
-              <a:buFont typeface="Wingdings" charset="2"/>
-              <a:buChar char=""/>
-            </a:pPr>
-            <a:r>
-              <a:rPr lang="en-IN" sz="2400" b="0" strike="noStrike" spc="-1">
-                <a:solidFill>
-                  <a:srgbClr val="000000"/>
-                </a:solidFill>
-                <a:uFill>
-                  <a:solidFill>
-                    <a:srgbClr val="FFFFFF"/>
-                  </a:solidFill>
-                </a:uFill>
-                <a:latin typeface="Arial"/>
-              </a:rPr>
-              <a:t>Third Outline Level</a:t>
-            </a:r>
-          </a:p>
-          <a:p>
-            <a:pPr marL="1728000" lvl="3" indent="-216000">
-              <a:buClr>
-                <a:srgbClr val="000000"/>
-              </a:buClr>
-              <a:buSzPct val="75000"/>
-              <a:buFont typeface="Symbol" charset="2"/>
-              <a:buChar char=""/>
-            </a:pPr>
-            <a:r>
-              <a:rPr lang="en-IN" sz="2000" b="0" strike="noStrike" spc="-1">
-                <a:solidFill>
-                  <a:srgbClr val="000000"/>
-                </a:solidFill>
-                <a:uFill>
-                  <a:solidFill>
-                    <a:srgbClr val="FFFFFF"/>
-                  </a:solidFill>
-                </a:uFill>
-                <a:latin typeface="Arial"/>
-              </a:rPr>
-              <a:t>Fourth Outline Level</a:t>
-            </a:r>
-          </a:p>
-          <a:p>
-            <a:pPr marL="2160000" lvl="4" indent="-216000">
-              <a:buClr>
-                <a:srgbClr val="000000"/>
-              </a:buClr>
-              <a:buSzPct val="45000"/>
-              <a:buFont typeface="Wingdings" charset="2"/>
-              <a:buChar char=""/>
-            </a:pPr>
-            <a:r>
-              <a:rPr lang="en-IN" sz="2000" b="0" strike="noStrike" spc="-1">
-                <a:solidFill>
-                  <a:srgbClr val="000000"/>
-                </a:solidFill>
-                <a:uFill>
-                  <a:solidFill>
-                    <a:srgbClr val="FFFFFF"/>
-                  </a:solidFill>
-                </a:uFill>
-                <a:latin typeface="Arial"/>
-              </a:rPr>
-              <a:t>Fifth Outline Level</a:t>
-            </a:r>
-          </a:p>
-          <a:p>
-            <a:pPr marL="2592000" lvl="5" indent="-216000">
-              <a:buClr>
-                <a:srgbClr val="000000"/>
-              </a:buClr>
-              <a:buSzPct val="45000"/>
-              <a:buFont typeface="Wingdings" charset="2"/>
-              <a:buChar char=""/>
-            </a:pPr>
-            <a:r>
-              <a:rPr lang="en-IN" sz="2000" b="0" strike="noStrike" spc="-1">
-                <a:solidFill>
-                  <a:srgbClr val="000000"/>
-                </a:solidFill>
-                <a:uFill>
-                  <a:solidFill>
-                    <a:srgbClr val="FFFFFF"/>
-                  </a:solidFill>
-                </a:uFill>
-                <a:latin typeface="Arial"/>
-              </a:rPr>
-              <a:t>Sixth Outline Level</a:t>
-            </a:r>
-          </a:p>
-          <a:p>
-            <a:pPr marL="3024000" lvl="6" indent="-216000">
-              <a:buClr>
-                <a:srgbClr val="000000"/>
-              </a:buClr>
-              <a:buSzPct val="45000"/>
-              <a:buFont typeface="Wingdings" charset="2"/>
-              <a:buChar char=""/>
-            </a:pPr>
-            <a:r>
-              <a:rPr lang="en-IN" sz="2000" b="0" strike="noStrike" spc="-1">
-                <a:solidFill>
-                  <a:srgbClr val="000000"/>
-                </a:solidFill>
-                <a:uFill>
-                  <a:solidFill>
-                    <a:srgbClr val="FFFFFF"/>
-                  </a:solidFill>
-                </a:uFill>
-                <a:latin typeface="Arial"/>
-              </a:rPr>
-              <a:t>Seventh Outline Level</a:t>
-            </a:r>
-          </a:p>
-        </p:txBody>
-      </p:sp>
     </p:spTree>
   </p:cSld>
   <p:clrMap bg1="lt1" tx1="dk1" bg2="lt2" tx2="dk2" accent1="accent1" accent2="accent2" accent3="accent3" accent4="accent4" accent5="accent5" accent6="accent6" hlink="hlink" folHlink="folHlink"/>
@@ -1974,14 +1731,14 @@
       </p:grpSpPr>
       <p:sp>
         <p:nvSpPr>
-          <p:cNvPr id="37" name="CustomShape 1"/>
+          <p:cNvPr id="35" name="CustomShape 1"/>
           <p:cNvSpPr/>
           <p:nvPr/>
         </p:nvSpPr>
         <p:spPr>
           <a:xfrm>
             <a:off x="483480" y="149400"/>
-            <a:ext cx="14553360" cy="1239840"/>
+            <a:ext cx="14553000" cy="1239480"/>
           </a:xfrm>
           <a:prstGeom prst="rect">
             <a:avLst/>
@@ -2013,7 +1770,7 @@
               </a:lnSpc>
             </a:pPr>
             <a:r>
-              <a:rPr lang="en-IN" sz="4400" b="1" strike="noStrike" spc="-1">
+              <a:rPr lang="en-IN" sz="3600" b="1" strike="noStrike" spc="-1">
                 <a:solidFill>
                   <a:srgbClr val="FFFFFF"/>
                 </a:solidFill>
@@ -2023,10 +1780,11 @@
                   </a:solidFill>
                 </a:uFill>
                 <a:latin typeface="Calibri"/>
-              </a:rPr>
-              <a:t>Conversion of Flash to Javascript </a:t>
-            </a:r>
-            <a:endParaRPr lang="en-IN" sz="1800" b="0" strike="noStrike" spc="-1">
+                <a:ea typeface="DejaVu Sans"/>
+              </a:rPr>
+              <a:t>Conversion of Virtual Labs Experiments from Flash to Javascript </a:t>
+            </a:r>
+            <a:endParaRPr lang="en-IN" sz="3600" b="0" strike="noStrike" spc="-1">
               <a:solidFill>
                 <a:srgbClr val="000000"/>
               </a:solidFill>
@@ -2042,14 +1800,14 @@
       </p:sp>
       <p:sp>
         <p:nvSpPr>
-          <p:cNvPr id="38" name="CustomShape 2"/>
+          <p:cNvPr id="36" name="CustomShape 2"/>
           <p:cNvSpPr/>
           <p:nvPr/>
         </p:nvSpPr>
         <p:spPr>
           <a:xfrm>
-            <a:off x="540720" y="2246400"/>
-            <a:ext cx="5485680" cy="9620280"/>
+            <a:off x="471201" y="4173750"/>
+            <a:ext cx="5485320" cy="7636778"/>
           </a:xfrm>
           <a:prstGeom prst="rect">
             <a:avLst/>
@@ -2095,14 +1853,14 @@
       </p:sp>
       <p:sp>
         <p:nvSpPr>
-          <p:cNvPr id="39" name="CustomShape 3"/>
+          <p:cNvPr id="37" name="CustomShape 3"/>
           <p:cNvSpPr/>
           <p:nvPr/>
         </p:nvSpPr>
         <p:spPr>
           <a:xfrm>
-            <a:off x="788040" y="2472480"/>
-            <a:ext cx="4037760" cy="2100600"/>
+            <a:off x="797829" y="4477356"/>
+            <a:ext cx="4037400" cy="7547764"/>
           </a:xfrm>
           <a:prstGeom prst="rect">
             <a:avLst/>
@@ -2134,7 +1892,7 @@
               </a:lnSpc>
             </a:pPr>
             <a:r>
-              <a:rPr lang="en-IN" sz="2800" b="1" strike="noStrike" spc="-1">
+              <a:rPr lang="en-IN" sz="2800" b="1" strike="noStrike" spc="-1" dirty="0">
                 <a:solidFill>
                   <a:srgbClr val="2F99CD"/>
                 </a:solidFill>
@@ -2148,7 +1906,7 @@
               </a:rPr>
               <a:t>INTRODUCTION</a:t>
             </a:r>
-            <a:endParaRPr lang="en-IN" sz="1800" b="0" strike="noStrike" spc="-1">
+            <a:endParaRPr lang="en-IN" sz="1800" b="0" strike="noStrike" spc="-1" dirty="0">
               <a:solidFill>
                 <a:srgbClr val="000000"/>
               </a:solidFill>
@@ -2166,7 +1924,7 @@
                 <a:spcPct val="100000"/>
               </a:lnSpc>
             </a:pPr>
-            <a:endParaRPr lang="en-IN" sz="1800" b="0" strike="noStrike" spc="-1">
+            <a:endParaRPr lang="en-IN" sz="1800" b="0" strike="noStrike" spc="-1" dirty="0">
               <a:solidFill>
                 <a:srgbClr val="000000"/>
               </a:solidFill>
@@ -2185,62 +1943,172 @@
               </a:lnSpc>
             </a:pPr>
             <a:r>
-              <a:rPr lang="en-IN" sz="2400" b="0" strike="noStrike" spc="-1">
-                <a:solidFill>
-                  <a:srgbClr val="000000"/>
-                </a:solidFill>
-                <a:uFill>
-                  <a:solidFill>
-                    <a:srgbClr val="FFFFFF"/>
-                  </a:solidFill>
-                </a:uFill>
-                <a:latin typeface="Calibri"/>
+              <a:rPr lang="en-IN" sz="2400" b="0" strike="noStrike" spc="-1" dirty="0">
+                <a:solidFill>
+                  <a:srgbClr val="000000"/>
+                </a:solidFill>
+                <a:uFill>
+                  <a:solidFill>
+                    <a:srgbClr val="FFFFFF"/>
+                  </a:solidFill>
+                </a:uFill>
+                <a:latin typeface="Calibri" pitchFamily="34" charset="0"/>
                 <a:ea typeface="Verdana"/>
-              </a:rPr>
-              <a:t>The most interactive multimedia on the Web, which is in use is Flash. Flash offers the webmaster a single platform to create content that will be seen by the majority of Web site users, and that everyone who sees Flash will be able to interact with it in exactly the same way. However, there are some arguments against Flash, and many webmasters choose to use Flash in only limited pockets within their site. Hence creating similar experiences in JavaScript, we can avoid many of the problems inherent in Flash. </a:t>
-            </a:r>
-            <a:endParaRPr lang="en-IN" sz="1800" b="0" strike="noStrike" spc="-1">
-              <a:solidFill>
-                <a:srgbClr val="000000"/>
-              </a:solidFill>
-              <a:uFill>
-                <a:solidFill>
-                  <a:srgbClr val="FFFFFF"/>
-                </a:solidFill>
-              </a:uFill>
-              <a:latin typeface="Arial"/>
-            </a:endParaRPr>
-          </a:p>
-          <a:p>
-            <a:pPr>
-              <a:lnSpc>
-                <a:spcPct val="100000"/>
-              </a:lnSpc>
-            </a:pPr>
-            <a:endParaRPr lang="en-IN" sz="1800" b="0" strike="noStrike" spc="-1">
-              <a:solidFill>
-                <a:srgbClr val="000000"/>
-              </a:solidFill>
-              <a:uFill>
-                <a:solidFill>
-                  <a:srgbClr val="FFFFFF"/>
-                </a:solidFill>
-              </a:uFill>
-              <a:latin typeface="Arial"/>
+                <a:cs typeface="Calibri" pitchFamily="34" charset="0"/>
+              </a:rPr>
+              <a:t>The most </a:t>
+            </a:r>
+            <a:r>
+              <a:rPr lang="en-IN" sz="2400" b="0" strike="noStrike" spc="-1" dirty="0" smtClean="0">
+                <a:solidFill>
+                  <a:srgbClr val="000000"/>
+                </a:solidFill>
+                <a:uFill>
+                  <a:solidFill>
+                    <a:srgbClr val="FFFFFF"/>
+                  </a:solidFill>
+                </a:uFill>
+                <a:latin typeface="Calibri" pitchFamily="34" charset="0"/>
+                <a:ea typeface="Verdana"/>
+                <a:cs typeface="Calibri" pitchFamily="34" charset="0"/>
+              </a:rPr>
+              <a:t>interactive multimedia on the Web, </a:t>
+            </a:r>
+            <a:r>
+              <a:rPr lang="en-IN" sz="2400" b="0" strike="noStrike" spc="-1" dirty="0">
+                <a:solidFill>
+                  <a:srgbClr val="000000"/>
+                </a:solidFill>
+                <a:uFill>
+                  <a:solidFill>
+                    <a:srgbClr val="FFFFFF"/>
+                  </a:solidFill>
+                </a:uFill>
+                <a:latin typeface="Calibri" pitchFamily="34" charset="0"/>
+                <a:ea typeface="Verdana"/>
+                <a:cs typeface="Calibri" pitchFamily="34" charset="0"/>
+              </a:rPr>
+              <a:t>Flash offers the webmaster a single platform to create content that will be seen by the majority of Web site </a:t>
+            </a:r>
+            <a:r>
+              <a:rPr lang="en-IN" sz="2400" b="0" strike="noStrike" spc="-1" dirty="0" smtClean="0">
+                <a:solidFill>
+                  <a:srgbClr val="000000"/>
+                </a:solidFill>
+                <a:uFill>
+                  <a:solidFill>
+                    <a:srgbClr val="FFFFFF"/>
+                  </a:solidFill>
+                </a:uFill>
+                <a:latin typeface="Calibri" pitchFamily="34" charset="0"/>
+                <a:ea typeface="Verdana"/>
+                <a:cs typeface="Calibri" pitchFamily="34" charset="0"/>
+              </a:rPr>
+              <a:t>users. However</a:t>
+            </a:r>
+            <a:r>
+              <a:rPr lang="en-IN" sz="2400" b="0" strike="noStrike" spc="-1" dirty="0">
+                <a:solidFill>
+                  <a:srgbClr val="000000"/>
+                </a:solidFill>
+                <a:uFill>
+                  <a:solidFill>
+                    <a:srgbClr val="FFFFFF"/>
+                  </a:solidFill>
+                </a:uFill>
+                <a:latin typeface="Calibri" pitchFamily="34" charset="0"/>
+                <a:ea typeface="Verdana"/>
+                <a:cs typeface="Calibri" pitchFamily="34" charset="0"/>
+              </a:rPr>
+              <a:t>, there are some arguments against </a:t>
+            </a:r>
+            <a:r>
+              <a:rPr lang="en-IN" sz="2400" b="0" strike="noStrike" spc="-1" dirty="0" smtClean="0">
+                <a:solidFill>
+                  <a:srgbClr val="000000"/>
+                </a:solidFill>
+                <a:uFill>
+                  <a:solidFill>
+                    <a:srgbClr val="FFFFFF"/>
+                  </a:solidFill>
+                </a:uFill>
+                <a:latin typeface="Calibri" pitchFamily="34" charset="0"/>
+                <a:ea typeface="Verdana"/>
+                <a:cs typeface="Calibri" pitchFamily="34" charset="0"/>
+              </a:rPr>
+              <a:t>Flash. </a:t>
+            </a:r>
+            <a:r>
+              <a:rPr lang="en-IN" sz="2400" b="0" strike="noStrike" spc="-1" dirty="0">
+                <a:solidFill>
+                  <a:srgbClr val="000000"/>
+                </a:solidFill>
+                <a:uFill>
+                  <a:solidFill>
+                    <a:srgbClr val="FFFFFF"/>
+                  </a:solidFill>
+                </a:uFill>
+                <a:latin typeface="Calibri" pitchFamily="34" charset="0"/>
+                <a:ea typeface="Verdana"/>
+                <a:cs typeface="Calibri" pitchFamily="34" charset="0"/>
+              </a:rPr>
+              <a:t>Hence creating similar experiences in JavaScript, we can avoid many of the problems inherent in Flash</a:t>
+            </a:r>
+            <a:r>
+              <a:rPr lang="en-IN" sz="2400" b="0" strike="noStrike" spc="-1" dirty="0" smtClean="0">
+                <a:solidFill>
+                  <a:srgbClr val="000000"/>
+                </a:solidFill>
+                <a:uFill>
+                  <a:solidFill>
+                    <a:srgbClr val="FFFFFF"/>
+                  </a:solidFill>
+                </a:uFill>
+                <a:latin typeface="Calibri" pitchFamily="34" charset="0"/>
+                <a:ea typeface="Verdana"/>
+                <a:cs typeface="Calibri" pitchFamily="34" charset="0"/>
+              </a:rPr>
+              <a:t>.</a:t>
+            </a:r>
+            <a:r>
+              <a:rPr lang="en-IN" sz="2400" dirty="0">
+                <a:latin typeface="Calibri" pitchFamily="34" charset="0"/>
+                <a:cs typeface="Calibri" pitchFamily="34" charset="0"/>
+              </a:rPr>
+              <a:t> Another advantage of JavaScript is that the code to make an animation flutter across the entire screen is no bigger than one that flutters across a small section of the screen</a:t>
+            </a:r>
+            <a:r>
+              <a:rPr lang="en-IN" sz="2400" dirty="0" smtClean="0">
+                <a:latin typeface="Calibri" pitchFamily="34" charset="0"/>
+                <a:cs typeface="Calibri" pitchFamily="34" charset="0"/>
+              </a:rPr>
+              <a:t>.</a:t>
+            </a:r>
+            <a:endParaRPr lang="en-IN" sz="1800" b="0" strike="noStrike" spc="-1" dirty="0">
+              <a:solidFill>
+                <a:srgbClr val="000000"/>
+              </a:solidFill>
+              <a:uFill>
+                <a:solidFill>
+                  <a:srgbClr val="FFFFFF"/>
+                </a:solidFill>
+              </a:uFill>
+              <a:latin typeface="Calibri" pitchFamily="34" charset="0"/>
+              <a:cs typeface="Calibri" pitchFamily="34" charset="0"/>
             </a:endParaRPr>
           </a:p>
         </p:txBody>
       </p:sp>
       <p:sp>
         <p:nvSpPr>
-          <p:cNvPr id="40" name="CustomShape 4"/>
+          <p:cNvPr id="38" name="CustomShape 4"/>
           <p:cNvSpPr/>
           <p:nvPr/>
         </p:nvSpPr>
         <p:spPr>
           <a:xfrm>
-            <a:off x="6293520" y="2246400"/>
-            <a:ext cx="5485680" cy="11011680"/>
+            <a:off x="6336000" y="1720812"/>
+            <a:ext cx="5485320" cy="10089716"/>
           </a:xfrm>
           <a:prstGeom prst="rect">
             <a:avLst/>
@@ -2286,14 +2154,14 @@
       </p:sp>
       <p:sp>
         <p:nvSpPr>
-          <p:cNvPr id="41" name="CustomShape 5"/>
+          <p:cNvPr id="39" name="CustomShape 5"/>
           <p:cNvSpPr/>
           <p:nvPr/>
         </p:nvSpPr>
         <p:spPr>
           <a:xfrm>
-            <a:off x="12065760" y="2228040"/>
-            <a:ext cx="8762400" cy="3505320"/>
+            <a:off x="495947" y="1720812"/>
+            <a:ext cx="5485320" cy="2448272"/>
           </a:xfrm>
           <a:prstGeom prst="rect">
             <a:avLst/>
@@ -2339,14 +2207,14 @@
       </p:sp>
       <p:sp>
         <p:nvSpPr>
-          <p:cNvPr id="42" name="CustomShape 6"/>
+          <p:cNvPr id="40" name="CustomShape 6"/>
           <p:cNvSpPr/>
           <p:nvPr/>
         </p:nvSpPr>
         <p:spPr>
           <a:xfrm>
-            <a:off x="12065760" y="5352120"/>
-            <a:ext cx="8762400" cy="3505320"/>
+            <a:off x="12047422" y="1720812"/>
+            <a:ext cx="8778556" cy="3320964"/>
           </a:xfrm>
           <a:prstGeom prst="rect">
             <a:avLst/>
@@ -2392,14 +2260,14 @@
       </p:sp>
       <p:sp>
         <p:nvSpPr>
-          <p:cNvPr id="43" name="CustomShape 7"/>
+          <p:cNvPr id="41" name="CustomShape 7"/>
           <p:cNvSpPr/>
           <p:nvPr/>
         </p:nvSpPr>
         <p:spPr>
           <a:xfrm>
-            <a:off x="6598440" y="2472480"/>
-            <a:ext cx="5180760" cy="8689976"/>
+            <a:off x="6536689" y="1935404"/>
+            <a:ext cx="4998670" cy="10089716"/>
           </a:xfrm>
           <a:prstGeom prst="rect">
             <a:avLst/>
@@ -2431,7 +2299,7 @@
               </a:lnSpc>
             </a:pPr>
             <a:r>
-              <a:rPr lang="en-IN" sz="2800" b="1" strike="noStrike" spc="-1" dirty="0" smtClean="0">
+              <a:rPr lang="en-IN" sz="2800" b="1" strike="noStrike" spc="-1" dirty="0">
                 <a:solidFill>
                   <a:srgbClr val="2F99CD"/>
                 </a:solidFill>
@@ -2445,6 +2313,17 @@
               </a:rPr>
               <a:t>METHODS</a:t>
             </a:r>
+            <a:endParaRPr lang="en-IN" sz="1800" b="0" strike="noStrike" spc="-1" dirty="0">
+              <a:solidFill>
+                <a:srgbClr val="000000"/>
+              </a:solidFill>
+              <a:uFill>
+                <a:solidFill>
+                  <a:srgbClr val="FFFFFF"/>
+                </a:solidFill>
+              </a:uFill>
+              <a:latin typeface="Arial"/>
+            </a:endParaRPr>
           </a:p>
           <a:p>
             <a:pPr>
@@ -2452,153 +2331,670 @@
                 <a:spcPct val="100000"/>
               </a:lnSpc>
             </a:pPr>
-            <a:endParaRPr lang="en-IN" spc="-1" dirty="0">
-              <a:solidFill>
-                <a:srgbClr val="000000"/>
-              </a:solidFill>
-              <a:uFill>
-                <a:solidFill>
-                  <a:srgbClr val="FFFFFF"/>
-                </a:solidFill>
-              </a:uFill>
-              <a:latin typeface="Arial"/>
-            </a:endParaRPr>
-          </a:p>
-          <a:p>
-            <a:r>
-              <a:rPr lang="en-IN" sz="2000" dirty="0" smtClean="0"/>
+            <a:endParaRPr lang="en-IN" sz="1800" b="0" strike="noStrike" spc="-1" dirty="0">
+              <a:solidFill>
+                <a:srgbClr val="000000"/>
+              </a:solidFill>
+              <a:uFill>
+                <a:solidFill>
+                  <a:srgbClr val="FFFFFF"/>
+                </a:solidFill>
+              </a:uFill>
+              <a:latin typeface="Arial"/>
+            </a:endParaRPr>
+          </a:p>
+          <a:p>
+            <a:pPr>
+              <a:lnSpc>
+                <a:spcPct val="100000"/>
+              </a:lnSpc>
+            </a:pPr>
+            <a:r>
+              <a:rPr lang="en-IN" sz="2000" b="0" strike="noStrike" spc="-1" dirty="0">
+                <a:solidFill>
+                  <a:srgbClr val="000000"/>
+                </a:solidFill>
+                <a:uFill>
+                  <a:solidFill>
+                    <a:srgbClr val="FFFFFF"/>
+                  </a:solidFill>
+                </a:uFill>
+                <a:latin typeface="Calibri" pitchFamily="34" charset="0"/>
+                <a:ea typeface="DejaVu Sans"/>
+                <a:cs typeface="Calibri" pitchFamily="34" charset="0"/>
+              </a:rPr>
               <a:t>1. Get the </a:t>
             </a:r>
             <a:r>
+              <a:rPr lang="en-IN" sz="2000" b="0" u="sng" strike="noStrike" spc="-1" dirty="0">
+                <a:solidFill>
+                  <a:srgbClr val="0000FF"/>
+                </a:solidFill>
+                <a:uFill>
+                  <a:solidFill>
+                    <a:srgbClr val="FFFFFF"/>
+                  </a:solidFill>
+                </a:uFill>
+                <a:latin typeface="Calibri" pitchFamily="34" charset="0"/>
+                <a:ea typeface="DejaVu Sans"/>
+                <a:cs typeface="Calibri" pitchFamily="34" charset="0"/>
+                <a:hlinkClick r:id="rId2"/>
+              </a:rPr>
+              <a:t>SWF files</a:t>
+            </a:r>
+            <a:r>
+              <a:rPr lang="en-IN" sz="2000" b="0" strike="noStrike" spc="-1" dirty="0">
+                <a:solidFill>
+                  <a:srgbClr val="000000"/>
+                </a:solidFill>
+                <a:uFill>
+                  <a:solidFill>
+                    <a:srgbClr val="FFFFFF"/>
+                  </a:solidFill>
+                </a:uFill>
+                <a:latin typeface="Calibri" pitchFamily="34" charset="0"/>
+                <a:ea typeface="DejaVu Sans"/>
+                <a:cs typeface="Calibri" pitchFamily="34" charset="0"/>
+              </a:rPr>
+              <a:t> of the flash experiment which needs to be converted to JavaScript from </a:t>
+            </a:r>
+            <a:r>
+              <a:rPr lang="en-IN" sz="2000" spc="-1" dirty="0" err="1" smtClean="0">
+                <a:solidFill>
+                  <a:srgbClr val="000000"/>
+                </a:solidFill>
+                <a:uFill>
+                  <a:solidFill>
+                    <a:srgbClr val="FFFFFF"/>
+                  </a:solidFill>
+                </a:uFill>
+                <a:latin typeface="Calibri" pitchFamily="34" charset="0"/>
+                <a:ea typeface="DejaVu Sans"/>
+                <a:cs typeface="Calibri" pitchFamily="34" charset="0"/>
+              </a:rPr>
+              <a:t>G</a:t>
+            </a:r>
+            <a:r>
+              <a:rPr lang="en-IN" sz="2000" b="0" strike="noStrike" spc="-1" dirty="0" err="1" smtClean="0">
+                <a:solidFill>
+                  <a:srgbClr val="000000"/>
+                </a:solidFill>
+                <a:uFill>
+                  <a:solidFill>
+                    <a:srgbClr val="FFFFFF"/>
+                  </a:solidFill>
+                </a:uFill>
+                <a:latin typeface="Calibri" pitchFamily="34" charset="0"/>
+                <a:ea typeface="DejaVu Sans"/>
+                <a:cs typeface="Calibri" pitchFamily="34" charset="0"/>
+              </a:rPr>
+              <a:t>itHub</a:t>
+            </a:r>
+            <a:r>
+              <a:rPr lang="en-IN" sz="2000" b="0" strike="noStrike" spc="-1" dirty="0">
+                <a:solidFill>
+                  <a:srgbClr val="000000"/>
+                </a:solidFill>
+                <a:uFill>
+                  <a:solidFill>
+                    <a:srgbClr val="FFFFFF"/>
+                  </a:solidFill>
+                </a:uFill>
+                <a:latin typeface="Calibri" pitchFamily="34" charset="0"/>
+                <a:ea typeface="DejaVu Sans"/>
+                <a:cs typeface="Calibri" pitchFamily="34" charset="0"/>
+              </a:rPr>
+              <a:t>.</a:t>
+            </a:r>
+            <a:endParaRPr lang="en-IN" sz="1800" b="0" strike="noStrike" spc="-1" dirty="0">
+              <a:solidFill>
+                <a:srgbClr val="000000"/>
+              </a:solidFill>
+              <a:uFill>
+                <a:solidFill>
+                  <a:srgbClr val="FFFFFF"/>
+                </a:solidFill>
+              </a:uFill>
+              <a:latin typeface="Calibri" pitchFamily="34" charset="0"/>
+              <a:cs typeface="Calibri" pitchFamily="34" charset="0"/>
+            </a:endParaRPr>
+          </a:p>
+          <a:p>
+            <a:pPr>
+              <a:lnSpc>
+                <a:spcPct val="100000"/>
+              </a:lnSpc>
+            </a:pPr>
+            <a:endParaRPr lang="en-IN" sz="1800" b="0" strike="noStrike" spc="-1" dirty="0">
+              <a:solidFill>
+                <a:srgbClr val="000000"/>
+              </a:solidFill>
+              <a:uFill>
+                <a:solidFill>
+                  <a:srgbClr val="FFFFFF"/>
+                </a:solidFill>
+              </a:uFill>
+              <a:latin typeface="Calibri" pitchFamily="34" charset="0"/>
+              <a:cs typeface="Calibri" pitchFamily="34" charset="0"/>
+            </a:endParaRPr>
+          </a:p>
+          <a:p>
+            <a:pPr>
+              <a:lnSpc>
+                <a:spcPct val="100000"/>
+              </a:lnSpc>
+            </a:pPr>
+            <a:r>
+              <a:rPr lang="en-IN" sz="2000" b="0" strike="noStrike" spc="-1" dirty="0">
+                <a:solidFill>
+                  <a:srgbClr val="000000"/>
+                </a:solidFill>
+                <a:uFill>
+                  <a:solidFill>
+                    <a:srgbClr val="FFFFFF"/>
+                  </a:solidFill>
+                </a:uFill>
+                <a:latin typeface="Calibri" pitchFamily="34" charset="0"/>
+                <a:ea typeface="DejaVu Sans"/>
+                <a:cs typeface="Calibri" pitchFamily="34" charset="0"/>
+              </a:rPr>
+              <a:t>2. Using JPEXS free flash </a:t>
+            </a:r>
+            <a:r>
+              <a:rPr lang="en-IN" sz="2000" b="0" strike="noStrike" spc="-1" dirty="0" err="1">
+                <a:solidFill>
+                  <a:srgbClr val="000000"/>
+                </a:solidFill>
+                <a:uFill>
+                  <a:solidFill>
+                    <a:srgbClr val="FFFFFF"/>
+                  </a:solidFill>
+                </a:uFill>
+                <a:latin typeface="Calibri" pitchFamily="34" charset="0"/>
+                <a:ea typeface="DejaVu Sans"/>
+                <a:cs typeface="Calibri" pitchFamily="34" charset="0"/>
+              </a:rPr>
+              <a:t>decompiler</a:t>
+            </a:r>
+            <a:r>
+              <a:rPr lang="en-IN" sz="2000" b="0" strike="noStrike" spc="-1" dirty="0">
+                <a:solidFill>
+                  <a:srgbClr val="000000"/>
+                </a:solidFill>
+                <a:uFill>
+                  <a:solidFill>
+                    <a:srgbClr val="FFFFFF"/>
+                  </a:solidFill>
+                </a:uFill>
+                <a:latin typeface="Calibri" pitchFamily="34" charset="0"/>
+                <a:ea typeface="DejaVu Sans"/>
+                <a:cs typeface="Calibri" pitchFamily="34" charset="0"/>
+              </a:rPr>
+              <a:t> extract all the components of the </a:t>
+            </a:r>
+            <a:r>
+              <a:rPr lang="en-IN" sz="2000" b="0" strike="noStrike" spc="-1" dirty="0" smtClean="0">
+                <a:solidFill>
+                  <a:srgbClr val="000000"/>
+                </a:solidFill>
+                <a:uFill>
+                  <a:solidFill>
+                    <a:srgbClr val="FFFFFF"/>
+                  </a:solidFill>
+                </a:uFill>
+                <a:latin typeface="Calibri" pitchFamily="34" charset="0"/>
+                <a:ea typeface="DejaVu Sans"/>
+                <a:cs typeface="Calibri" pitchFamily="34" charset="0"/>
+              </a:rPr>
+              <a:t>experiment.</a:t>
+            </a:r>
+            <a:endParaRPr lang="en-IN" sz="1800" b="0" strike="noStrike" spc="-1" dirty="0">
+              <a:solidFill>
+                <a:srgbClr val="000000"/>
+              </a:solidFill>
+              <a:uFill>
+                <a:solidFill>
+                  <a:srgbClr val="FFFFFF"/>
+                </a:solidFill>
+              </a:uFill>
+              <a:latin typeface="Calibri" pitchFamily="34" charset="0"/>
+              <a:cs typeface="Calibri" pitchFamily="34" charset="0"/>
+            </a:endParaRPr>
+          </a:p>
+          <a:p>
+            <a:pPr>
+              <a:lnSpc>
+                <a:spcPct val="100000"/>
+              </a:lnSpc>
+            </a:pPr>
+            <a:endParaRPr lang="en-IN" sz="1800" b="0" strike="noStrike" spc="-1" dirty="0">
+              <a:solidFill>
+                <a:srgbClr val="000000"/>
+              </a:solidFill>
+              <a:uFill>
+                <a:solidFill>
+                  <a:srgbClr val="FFFFFF"/>
+                </a:solidFill>
+              </a:uFill>
+              <a:latin typeface="Calibri" pitchFamily="34" charset="0"/>
+              <a:cs typeface="Calibri" pitchFamily="34" charset="0"/>
+            </a:endParaRPr>
+          </a:p>
+          <a:p>
+            <a:pPr>
+              <a:lnSpc>
+                <a:spcPct val="100000"/>
+              </a:lnSpc>
+            </a:pPr>
+            <a:r>
+              <a:rPr lang="en-IN" sz="2000" b="0" strike="noStrike" spc="-1" dirty="0">
+                <a:solidFill>
+                  <a:srgbClr val="000000"/>
+                </a:solidFill>
+                <a:uFill>
+                  <a:solidFill>
+                    <a:srgbClr val="FFFFFF"/>
+                  </a:solidFill>
+                </a:uFill>
+                <a:latin typeface="Calibri" pitchFamily="34" charset="0"/>
+                <a:ea typeface="Verdana"/>
+                <a:cs typeface="Calibri" pitchFamily="34" charset="0"/>
+              </a:rPr>
+              <a:t>3. Identify and combine require components to form  all these images using any </a:t>
+            </a:r>
+            <a:r>
+              <a:rPr lang="en-IN" sz="2000" b="0" strike="noStrike" spc="-1" dirty="0" smtClean="0">
+                <a:solidFill>
+                  <a:srgbClr val="000000"/>
+                </a:solidFill>
+                <a:uFill>
+                  <a:solidFill>
+                    <a:srgbClr val="FFFFFF"/>
+                  </a:solidFill>
+                </a:uFill>
+                <a:latin typeface="Calibri" pitchFamily="34" charset="0"/>
+                <a:ea typeface="Verdana"/>
+                <a:cs typeface="Calibri" pitchFamily="34" charset="0"/>
+              </a:rPr>
+              <a:t>editor.</a:t>
+            </a:r>
+            <a:endParaRPr lang="en-IN" sz="1800" b="0" strike="noStrike" spc="-1" dirty="0">
+              <a:solidFill>
+                <a:srgbClr val="000000"/>
+              </a:solidFill>
+              <a:uFill>
+                <a:solidFill>
+                  <a:srgbClr val="FFFFFF"/>
+                </a:solidFill>
+              </a:uFill>
+              <a:latin typeface="Calibri" pitchFamily="34" charset="0"/>
+              <a:cs typeface="Calibri" pitchFamily="34" charset="0"/>
+            </a:endParaRPr>
+          </a:p>
+          <a:p>
+            <a:pPr>
+              <a:lnSpc>
+                <a:spcPct val="100000"/>
+              </a:lnSpc>
+            </a:pPr>
+            <a:endParaRPr lang="en-IN" sz="1800" b="0" strike="noStrike" spc="-1" dirty="0">
+              <a:solidFill>
+                <a:srgbClr val="000000"/>
+              </a:solidFill>
+              <a:uFill>
+                <a:solidFill>
+                  <a:srgbClr val="FFFFFF"/>
+                </a:solidFill>
+              </a:uFill>
+              <a:latin typeface="Calibri" pitchFamily="34" charset="0"/>
+              <a:cs typeface="Calibri" pitchFamily="34" charset="0"/>
+            </a:endParaRPr>
+          </a:p>
+          <a:p>
+            <a:pPr>
+              <a:lnSpc>
+                <a:spcPct val="100000"/>
+              </a:lnSpc>
+            </a:pPr>
+            <a:r>
+              <a:rPr lang="en-IN" sz="2000" b="0" strike="noStrike" spc="-1" dirty="0">
+                <a:solidFill>
+                  <a:srgbClr val="000000"/>
+                </a:solidFill>
+                <a:uFill>
+                  <a:solidFill>
+                    <a:srgbClr val="FFFFFF"/>
+                  </a:solidFill>
+                </a:uFill>
+                <a:latin typeface="Calibri" pitchFamily="34" charset="0"/>
+                <a:ea typeface="Verdana"/>
+                <a:cs typeface="Calibri" pitchFamily="34" charset="0"/>
+              </a:rPr>
+              <a:t>4. Position all images in their appropriate positions in </a:t>
+            </a:r>
+            <a:r>
+              <a:rPr lang="en-IN" sz="2000" b="0" strike="noStrike" spc="-1" dirty="0" smtClean="0">
+                <a:solidFill>
+                  <a:srgbClr val="000000"/>
+                </a:solidFill>
+                <a:uFill>
+                  <a:solidFill>
+                    <a:srgbClr val="FFFFFF"/>
+                  </a:solidFill>
+                </a:uFill>
+                <a:latin typeface="Calibri" pitchFamily="34" charset="0"/>
+                <a:ea typeface="Verdana"/>
+                <a:cs typeface="Calibri" pitchFamily="34" charset="0"/>
+              </a:rPr>
+              <a:t>HTML5 using CSS and JS.</a:t>
+            </a:r>
+            <a:endParaRPr lang="en-IN" sz="1800" b="0" strike="noStrike" spc="-1" dirty="0">
+              <a:solidFill>
+                <a:srgbClr val="000000"/>
+              </a:solidFill>
+              <a:uFill>
+                <a:solidFill>
+                  <a:srgbClr val="FFFFFF"/>
+                </a:solidFill>
+              </a:uFill>
+              <a:latin typeface="Calibri" pitchFamily="34" charset="0"/>
+              <a:cs typeface="Calibri" pitchFamily="34" charset="0"/>
+            </a:endParaRPr>
+          </a:p>
+          <a:p>
+            <a:pPr>
+              <a:lnSpc>
+                <a:spcPct val="100000"/>
+              </a:lnSpc>
+            </a:pPr>
+            <a:endParaRPr lang="en-IN" sz="1800" b="0" strike="noStrike" spc="-1" dirty="0">
+              <a:solidFill>
+                <a:srgbClr val="000000"/>
+              </a:solidFill>
+              <a:uFill>
+                <a:solidFill>
+                  <a:srgbClr val="FFFFFF"/>
+                </a:solidFill>
+              </a:uFill>
+              <a:latin typeface="Calibri" pitchFamily="34" charset="0"/>
+              <a:cs typeface="Calibri" pitchFamily="34" charset="0"/>
+            </a:endParaRPr>
+          </a:p>
+          <a:p>
+            <a:pPr>
+              <a:lnSpc>
+                <a:spcPct val="100000"/>
+              </a:lnSpc>
+            </a:pPr>
+            <a:r>
+              <a:rPr lang="en-IN" sz="2000" b="0" strike="noStrike" spc="-1" dirty="0">
+                <a:solidFill>
+                  <a:srgbClr val="000000"/>
+                </a:solidFill>
+                <a:uFill>
+                  <a:solidFill>
+                    <a:srgbClr val="FFFFFF"/>
+                  </a:solidFill>
+                </a:uFill>
+                <a:latin typeface="Calibri" pitchFamily="34" charset="0"/>
+                <a:ea typeface="DejaVu Sans"/>
+                <a:cs typeface="Calibri" pitchFamily="34" charset="0"/>
+              </a:rPr>
+              <a:t>5. Define functions for each of the apparatus which redirect to other functions according to the need of the </a:t>
+            </a:r>
+            <a:r>
+              <a:rPr lang="en-IN" sz="2000" b="0" strike="noStrike" spc="-1" dirty="0" smtClean="0">
+                <a:solidFill>
+                  <a:srgbClr val="000000"/>
+                </a:solidFill>
+                <a:uFill>
+                  <a:solidFill>
+                    <a:srgbClr val="FFFFFF"/>
+                  </a:solidFill>
+                </a:uFill>
+                <a:latin typeface="Calibri" pitchFamily="34" charset="0"/>
+                <a:ea typeface="DejaVu Sans"/>
+                <a:cs typeface="Calibri" pitchFamily="34" charset="0"/>
+              </a:rPr>
+              <a:t>experiment.</a:t>
+            </a:r>
+          </a:p>
+          <a:p>
+            <a:pPr>
+              <a:lnSpc>
+                <a:spcPct val="100000"/>
+              </a:lnSpc>
+            </a:pPr>
+            <a:endParaRPr lang="en-IN" sz="2000" b="0" strike="noStrike" spc="-1" dirty="0" smtClean="0">
+              <a:solidFill>
+                <a:srgbClr val="000000"/>
+              </a:solidFill>
+              <a:uFill>
+                <a:solidFill>
+                  <a:srgbClr val="FFFFFF"/>
+                </a:solidFill>
+              </a:uFill>
+              <a:latin typeface="Calibri" pitchFamily="34" charset="0"/>
+              <a:cs typeface="Calibri" pitchFamily="34" charset="0"/>
+            </a:endParaRPr>
+          </a:p>
+          <a:p>
+            <a:pPr>
+              <a:lnSpc>
+                <a:spcPct val="100000"/>
+              </a:lnSpc>
+            </a:pPr>
+            <a:r>
+              <a:rPr lang="en-IN" sz="2000" spc="-1" dirty="0" smtClean="0">
+                <a:solidFill>
+                  <a:srgbClr val="000000"/>
+                </a:solidFill>
+                <a:uFill>
+                  <a:solidFill>
+                    <a:srgbClr val="FFFFFF"/>
+                  </a:solidFill>
+                </a:uFill>
+                <a:latin typeface="Calibri" pitchFamily="34" charset="0"/>
+                <a:cs typeface="Calibri" pitchFamily="34" charset="0"/>
+              </a:rPr>
+              <a:t>6. </a:t>
+            </a:r>
+            <a:r>
+              <a:rPr lang="en-IN" sz="2000" dirty="0">
+                <a:latin typeface="Calibri" pitchFamily="34" charset="0"/>
+                <a:cs typeface="Calibri" pitchFamily="34" charset="0"/>
+              </a:rPr>
+              <a:t>After every step performed change the instruction which will explain what has to be done next</a:t>
+            </a:r>
+            <a:r>
               <a:rPr lang="en-IN" sz="2000" dirty="0" smtClean="0">
-                <a:hlinkClick r:id="rId2"/>
-              </a:rPr>
-              <a:t>SWF files</a:t>
-            </a:r>
-            <a:r>
-              <a:rPr lang="en-IN" sz="2000" dirty="0" smtClean="0"/>
-              <a:t> of the flash experiment which needs to be converted to JavaScript from </a:t>
-            </a:r>
-            <a:r>
-              <a:rPr lang="en-IN" sz="2000" dirty="0" err="1" smtClean="0"/>
-              <a:t>github</a:t>
-            </a:r>
-            <a:r>
-              <a:rPr lang="en-IN" sz="2000" dirty="0" smtClean="0"/>
+                <a:latin typeface="Calibri" pitchFamily="34" charset="0"/>
+                <a:cs typeface="Calibri" pitchFamily="34" charset="0"/>
+              </a:rPr>
               <a:t>.</a:t>
             </a:r>
           </a:p>
           <a:p>
-            <a:pPr marL="285750" indent="-285750">
-              <a:buFont typeface="Arial" pitchFamily="34" charset="0"/>
-              <a:buChar char="•"/>
+            <a:pPr>
+              <a:lnSpc>
+                <a:spcPct val="100000"/>
+              </a:lnSpc>
             </a:pPr>
-            <a:endParaRPr lang="en-IN" sz="2000" dirty="0" smtClean="0"/>
-          </a:p>
-          <a:p>
-            <a:r>
-              <a:rPr lang="en-IN" sz="2000" dirty="0" smtClean="0"/>
-              <a:t>2. Using JPEXS free flash </a:t>
-            </a:r>
-            <a:r>
-              <a:rPr lang="en-IN" sz="2000" dirty="0" err="1" smtClean="0"/>
-              <a:t>d</a:t>
-            </a:r>
-            <a:r>
-              <a:rPr lang="en-IN" sz="2000" dirty="0" err="1" smtClean="0"/>
-              <a:t>ecompiler</a:t>
-            </a:r>
-            <a:r>
-              <a:rPr lang="en-IN" sz="2000" dirty="0" smtClean="0"/>
-              <a:t> extract all the components of the experiment</a:t>
-            </a:r>
-          </a:p>
-          <a:p>
-            <a:endParaRPr lang="en-IN" sz="2000" spc="-1" dirty="0" smtClean="0">
-              <a:uFill>
-                <a:solidFill>
-                  <a:srgbClr val="FFFFFF"/>
-                </a:solidFill>
-              </a:uFill>
-              <a:ea typeface="Verdana"/>
-            </a:endParaRPr>
-          </a:p>
-          <a:p>
-            <a:r>
-              <a:rPr lang="en-IN" sz="2000" spc="-1" dirty="0" smtClean="0">
-                <a:uFill>
-                  <a:solidFill>
-                    <a:srgbClr val="FFFFFF"/>
-                  </a:solidFill>
-                </a:uFill>
-                <a:ea typeface="Verdana"/>
-              </a:rPr>
-              <a:t>3. Identify and combine require components to form  all these images using any editor</a:t>
-            </a:r>
-          </a:p>
-          <a:p>
-            <a:endParaRPr lang="en-IN" sz="2000" spc="-1" dirty="0">
-              <a:uFill>
-                <a:solidFill>
-                  <a:srgbClr val="FFFFFF"/>
-                </a:solidFill>
-              </a:uFill>
-              <a:ea typeface="Verdana"/>
-            </a:endParaRPr>
-          </a:p>
-          <a:p>
-            <a:r>
-              <a:rPr lang="en-IN" sz="2000" spc="-1" dirty="0" smtClean="0">
-                <a:uFill>
-                  <a:solidFill>
-                    <a:srgbClr val="FFFFFF"/>
-                  </a:solidFill>
-                </a:uFill>
-                <a:ea typeface="Verdana"/>
-              </a:rPr>
-              <a:t>4. Position all images in their appropriate positions in HTML5 &amp; CSS code.</a:t>
-            </a:r>
-          </a:p>
-          <a:p>
-            <a:endParaRPr lang="en-IN" sz="2000" b="1" spc="-1" dirty="0">
-              <a:solidFill>
-                <a:srgbClr val="2F99CD"/>
-              </a:solidFill>
-              <a:uFill>
-                <a:solidFill>
-                  <a:srgbClr val="FFFFFF"/>
-                </a:solidFill>
-              </a:uFill>
-              <a:latin typeface="Calibri"/>
-              <a:ea typeface="Verdana"/>
-            </a:endParaRPr>
-          </a:p>
-          <a:p>
-            <a:r>
-              <a:rPr lang="en-IN" sz="2000" dirty="0" smtClean="0"/>
-              <a:t>5. Define </a:t>
-            </a:r>
-            <a:r>
-              <a:rPr lang="en-IN" sz="2000" dirty="0"/>
-              <a:t>functions for each of the apparatus which redirect to other functions according to the need of the experiment</a:t>
-            </a:r>
-            <a:r>
-              <a:rPr lang="en-IN" sz="2000" dirty="0" smtClean="0"/>
+            <a:endParaRPr lang="en-IN" sz="1800" b="0" strike="noStrike" spc="-1" dirty="0">
+              <a:solidFill>
+                <a:srgbClr val="000000"/>
+              </a:solidFill>
+              <a:uFill>
+                <a:solidFill>
+                  <a:srgbClr val="FFFFFF"/>
+                </a:solidFill>
+              </a:uFill>
+              <a:latin typeface="Calibri" pitchFamily="34" charset="0"/>
+              <a:cs typeface="Calibri" pitchFamily="34" charset="0"/>
+            </a:endParaRPr>
+          </a:p>
+          <a:p>
+            <a:pPr>
+              <a:lnSpc>
+                <a:spcPct val="100000"/>
+              </a:lnSpc>
+            </a:pPr>
+            <a:r>
+              <a:rPr lang="en-IN" sz="2000" spc="-1" dirty="0">
+                <a:solidFill>
+                  <a:srgbClr val="000000"/>
+                </a:solidFill>
+                <a:uFill>
+                  <a:solidFill>
+                    <a:srgbClr val="FFFFFF"/>
+                  </a:solidFill>
+                </a:uFill>
+                <a:latin typeface="Calibri" pitchFamily="34" charset="0"/>
+                <a:ea typeface="DejaVu Sans"/>
+                <a:cs typeface="Calibri" pitchFamily="34" charset="0"/>
+              </a:rPr>
+              <a:t>7</a:t>
+            </a:r>
+            <a:r>
+              <a:rPr lang="en-IN" sz="2000" b="0" strike="noStrike" spc="-1" dirty="0" smtClean="0">
+                <a:solidFill>
+                  <a:srgbClr val="000000"/>
+                </a:solidFill>
+                <a:uFill>
+                  <a:solidFill>
+                    <a:srgbClr val="FFFFFF"/>
+                  </a:solidFill>
+                </a:uFill>
+                <a:latin typeface="Calibri" pitchFamily="34" charset="0"/>
+                <a:ea typeface="DejaVu Sans"/>
+                <a:cs typeface="Calibri" pitchFamily="34" charset="0"/>
+              </a:rPr>
+              <a:t>. </a:t>
+            </a:r>
+            <a:r>
+              <a:rPr lang="en-IN" sz="2000" spc="-1" dirty="0">
+                <a:solidFill>
+                  <a:srgbClr val="000000"/>
+                </a:solidFill>
+                <a:uFill>
+                  <a:solidFill>
+                    <a:srgbClr val="FFFFFF"/>
+                  </a:solidFill>
+                </a:uFill>
+                <a:latin typeface="Calibri" pitchFamily="34" charset="0"/>
+                <a:ea typeface="DejaVu Sans"/>
+                <a:cs typeface="Calibri" pitchFamily="34" charset="0"/>
+              </a:rPr>
+              <a:t>U</a:t>
+            </a:r>
+            <a:r>
+              <a:rPr lang="en-IN" sz="2000" b="0" strike="noStrike" spc="-1" dirty="0" smtClean="0">
+                <a:solidFill>
+                  <a:srgbClr val="000000"/>
+                </a:solidFill>
+                <a:uFill>
+                  <a:solidFill>
+                    <a:srgbClr val="FFFFFF"/>
+                  </a:solidFill>
+                </a:uFill>
+                <a:latin typeface="Calibri" pitchFamily="34" charset="0"/>
+                <a:ea typeface="DejaVu Sans"/>
+                <a:cs typeface="Calibri" pitchFamily="34" charset="0"/>
+              </a:rPr>
+              <a:t>se </a:t>
+            </a:r>
+            <a:r>
+              <a:rPr lang="en-IN" sz="2000" b="0" strike="noStrike" spc="-1" dirty="0">
+                <a:solidFill>
+                  <a:srgbClr val="000000"/>
+                </a:solidFill>
+                <a:uFill>
+                  <a:solidFill>
+                    <a:srgbClr val="FFFFFF"/>
+                  </a:solidFill>
+                </a:uFill>
+                <a:latin typeface="Calibri" pitchFamily="34" charset="0"/>
+                <a:ea typeface="DejaVu Sans"/>
+                <a:cs typeface="Calibri" pitchFamily="34" charset="0"/>
+              </a:rPr>
+              <a:t>different functionalities of </a:t>
+            </a:r>
+            <a:r>
+              <a:rPr lang="en-IN" sz="2000" b="0" strike="noStrike" spc="-1" dirty="0" smtClean="0">
+                <a:solidFill>
+                  <a:srgbClr val="000000"/>
+                </a:solidFill>
+                <a:uFill>
+                  <a:solidFill>
+                    <a:srgbClr val="FFFFFF"/>
+                  </a:solidFill>
+                </a:uFill>
+                <a:latin typeface="Calibri" pitchFamily="34" charset="0"/>
+                <a:ea typeface="DejaVu Sans"/>
+                <a:cs typeface="Calibri" pitchFamily="34" charset="0"/>
+              </a:rPr>
+              <a:t>libraries </a:t>
+            </a:r>
+            <a:r>
+              <a:rPr lang="en-IN" sz="2000" b="0" strike="noStrike" spc="-1" dirty="0">
+                <a:solidFill>
+                  <a:srgbClr val="000000"/>
+                </a:solidFill>
+                <a:uFill>
+                  <a:solidFill>
+                    <a:srgbClr val="FFFFFF"/>
+                  </a:solidFill>
+                </a:uFill>
+                <a:latin typeface="Calibri" pitchFamily="34" charset="0"/>
+                <a:ea typeface="DejaVu Sans"/>
+                <a:cs typeface="Calibri" pitchFamily="34" charset="0"/>
+              </a:rPr>
+              <a:t>for performing  animation</a:t>
+            </a:r>
+            <a:r>
+              <a:rPr lang="en-IN" sz="2000" b="0" strike="noStrike" spc="-1" dirty="0" smtClean="0">
+                <a:solidFill>
+                  <a:srgbClr val="000000"/>
+                </a:solidFill>
+                <a:uFill>
+                  <a:solidFill>
+                    <a:srgbClr val="FFFFFF"/>
+                  </a:solidFill>
+                </a:uFill>
+                <a:latin typeface="Calibri" pitchFamily="34" charset="0"/>
+                <a:ea typeface="DejaVu Sans"/>
+                <a:cs typeface="Calibri" pitchFamily="34" charset="0"/>
+              </a:rPr>
               <a:t>.</a:t>
             </a:r>
           </a:p>
           <a:p>
-            <a:endParaRPr lang="en-IN" sz="2000" dirty="0"/>
-          </a:p>
-          <a:p>
-            <a:r>
-              <a:rPr lang="en-IN" sz="2000" dirty="0" smtClean="0"/>
-              <a:t>6. Now use different functionalities of  libraries for performing  animation.  </a:t>
-            </a:r>
-          </a:p>
-          <a:p>
-            <a:r>
-              <a:rPr lang="en-IN" sz="2000" b="1" spc="-1" dirty="0" smtClean="0">
+            <a:pPr>
+              <a:lnSpc>
+                <a:spcPct val="100000"/>
+              </a:lnSpc>
+            </a:pPr>
+            <a:endParaRPr lang="en-IN" sz="1800" b="0" strike="noStrike" spc="-1" dirty="0">
+              <a:solidFill>
+                <a:srgbClr val="000000"/>
+              </a:solidFill>
+              <a:uFill>
+                <a:solidFill>
+                  <a:srgbClr val="FFFFFF"/>
+                </a:solidFill>
+              </a:uFill>
+              <a:latin typeface="Calibri" pitchFamily="34" charset="0"/>
+              <a:cs typeface="Calibri" pitchFamily="34" charset="0"/>
+            </a:endParaRPr>
+          </a:p>
+          <a:p>
+            <a:pPr>
+              <a:lnSpc>
+                <a:spcPct val="100000"/>
+              </a:lnSpc>
+            </a:pPr>
+            <a:r>
+              <a:rPr lang="en-IN" sz="2000" b="1" strike="noStrike" spc="-1" dirty="0">
                 <a:solidFill>
                   <a:srgbClr val="2F99CD"/>
                 </a:solidFill>
@@ -2612,45 +3008,48 @@
               </a:rPr>
               <a:t> </a:t>
             </a:r>
-            <a:endParaRPr lang="en-IN" sz="2000" b="1" spc="-1" dirty="0">
-              <a:solidFill>
-                <a:srgbClr val="2F99CD"/>
-              </a:solidFill>
-              <a:uFill>
-                <a:solidFill>
-                  <a:srgbClr val="FFFFFF"/>
-                </a:solidFill>
-              </a:uFill>
-              <a:latin typeface="Calibri"/>
-              <a:ea typeface="Verdana"/>
-            </a:endParaRPr>
-          </a:p>
-          <a:p>
-            <a:endParaRPr lang="en-IN" sz="2000" b="1" spc="-1" dirty="0">
-              <a:solidFill>
-                <a:srgbClr val="2F99CD"/>
-              </a:solidFill>
-              <a:uFill>
-                <a:solidFill>
-                  <a:srgbClr val="FFFFFF"/>
-                </a:solidFill>
-              </a:uFill>
-              <a:latin typeface="Calibri"/>
-              <a:ea typeface="Verdana"/>
+            <a:endParaRPr lang="en-IN" sz="1800" b="0" strike="noStrike" spc="-1" dirty="0">
+              <a:solidFill>
+                <a:srgbClr val="000000"/>
+              </a:solidFill>
+              <a:uFill>
+                <a:solidFill>
+                  <a:srgbClr val="FFFFFF"/>
+                </a:solidFill>
+              </a:uFill>
+              <a:latin typeface="Arial"/>
+            </a:endParaRPr>
+          </a:p>
+          <a:p>
+            <a:pPr>
+              <a:lnSpc>
+                <a:spcPct val="100000"/>
+              </a:lnSpc>
+            </a:pPr>
+            <a:endParaRPr lang="en-IN" sz="1800" b="0" strike="noStrike" spc="-1" dirty="0">
+              <a:solidFill>
+                <a:srgbClr val="000000"/>
+              </a:solidFill>
+              <a:uFill>
+                <a:solidFill>
+                  <a:srgbClr val="FFFFFF"/>
+                </a:solidFill>
+              </a:uFill>
+              <a:latin typeface="Arial"/>
             </a:endParaRPr>
           </a:p>
         </p:txBody>
       </p:sp>
       <p:sp>
         <p:nvSpPr>
-          <p:cNvPr id="44" name="CustomShape 8"/>
+          <p:cNvPr id="42" name="CustomShape 8"/>
           <p:cNvSpPr/>
           <p:nvPr/>
         </p:nvSpPr>
         <p:spPr>
           <a:xfrm>
-            <a:off x="12294360" y="2472480"/>
-            <a:ext cx="7771680" cy="2039760"/>
+            <a:off x="797829" y="1935404"/>
+            <a:ext cx="4666098" cy="2039400"/>
           </a:xfrm>
           <a:prstGeom prst="rect">
             <a:avLst/>
@@ -2748,7 +3147,7 @@
               <a:t>To Convert 2 labs - Physical-Chemistry &amp; Colloid-Surface-Chemistry, from Flash To </a:t>
             </a:r>
             <a:r>
-              <a:rPr lang="en-IN" sz="2400" b="0" u="sng" strike="noStrike" spc="-1" dirty="0" err="1">
+              <a:rPr lang="en-IN" sz="2400" b="0" u="sng" strike="noStrike" spc="-1" dirty="0" smtClean="0">
                 <a:solidFill>
                   <a:srgbClr val="000000"/>
                 </a:solidFill>
@@ -2760,22 +3159,7 @@
                 <a:latin typeface="Calibri"/>
                 <a:ea typeface="Verdana"/>
               </a:rPr>
-              <a:t>Javascript</a:t>
-            </a:r>
-            <a:r>
-              <a:rPr lang="en-IN" sz="2400" b="0" u="sng" strike="noStrike" spc="-1" dirty="0">
-                <a:solidFill>
-                  <a:srgbClr val="000000"/>
-                </a:solidFill>
-                <a:uFill>
-                  <a:solidFill>
-                    <a:srgbClr val="FFFFFF"/>
-                  </a:solidFill>
-                </a:uFill>
-                <a:latin typeface="Calibri"/>
-                <a:ea typeface="Verdana"/>
-              </a:rPr>
-              <a:t> </a:t>
+              <a:t>JavaScript </a:t>
             </a:r>
             <a:endParaRPr lang="en-IN" sz="1800" b="0" strike="noStrike" spc="-1" dirty="0">
               <a:solidFill>
@@ -2811,14 +3195,14 @@
       </p:sp>
       <p:sp>
         <p:nvSpPr>
-          <p:cNvPr id="45" name="CustomShape 9"/>
+          <p:cNvPr id="43" name="CustomShape 9"/>
           <p:cNvSpPr/>
           <p:nvPr/>
         </p:nvSpPr>
         <p:spPr>
           <a:xfrm>
-            <a:off x="12294360" y="5577480"/>
-            <a:ext cx="7771680" cy="2771280"/>
+            <a:off x="12535469" y="1935404"/>
+            <a:ext cx="7771320" cy="2890348"/>
           </a:xfrm>
           <a:prstGeom prst="rect">
             <a:avLst/>
@@ -2882,16 +3266,17 @@
                 <a:spcPct val="100000"/>
               </a:lnSpc>
             </a:pPr>
-            <a:endParaRPr lang="en-IN" sz="1800" b="0" strike="noStrike" spc="-1" dirty="0">
-              <a:solidFill>
-                <a:srgbClr val="000000"/>
-              </a:solidFill>
-              <a:uFill>
-                <a:solidFill>
-                  <a:srgbClr val="FFFFFF"/>
-                </a:solidFill>
-              </a:uFill>
-              <a:latin typeface="Arial"/>
+            <a:endParaRPr lang="en-IN" sz="2400" b="0" strike="noStrike" spc="-1" dirty="0">
+              <a:solidFill>
+                <a:srgbClr val="000000"/>
+              </a:solidFill>
+              <a:uFill>
+                <a:solidFill>
+                  <a:srgbClr val="FFFFFF"/>
+                </a:solidFill>
+              </a:uFill>
+              <a:latin typeface="Calibri" pitchFamily="34" charset="0"/>
+              <a:cs typeface="Calibri" pitchFamily="34" charset="0"/>
             </a:endParaRPr>
           </a:p>
           <a:p>
@@ -2901,6 +3286,22 @@
               </a:lnSpc>
             </a:pPr>
             <a:r>
+              <a:rPr lang="en-IN" sz="2400" b="0" strike="noStrike" spc="-1" dirty="0" smtClean="0">
+                <a:solidFill>
+                  <a:srgbClr val="000000"/>
+                </a:solidFill>
+                <a:uFill>
+                  <a:solidFill>
+                    <a:srgbClr val="FFFFFF"/>
+                  </a:solidFill>
+                </a:uFill>
+                <a:latin typeface="Calibri" pitchFamily="34" charset="0"/>
+                <a:ea typeface="Verdana"/>
+                <a:cs typeface="Calibri" pitchFamily="34" charset="0"/>
+              </a:rPr>
+              <a:t>1. Successfully </a:t>
+            </a:r>
+            <a:r>
               <a:rPr lang="en-IN" sz="2400" b="0" strike="noStrike" spc="-1" dirty="0">
                 <a:solidFill>
                   <a:srgbClr val="000000"/>
@@ -2910,51 +3311,55 @@
                     <a:srgbClr val="FFFFFF"/>
                   </a:solidFill>
                 </a:uFill>
-                <a:latin typeface="Calibri"/>
+                <a:latin typeface="Calibri" pitchFamily="34" charset="0"/>
                 <a:ea typeface="Verdana"/>
-              </a:rPr>
-              <a:t>1. Successfully Converted all experiments from flash to </a:t>
-            </a:r>
-            <a:r>
-              <a:rPr lang="en-IN" sz="2400" b="0" strike="noStrike" spc="-1" dirty="0" err="1">
-                <a:solidFill>
-                  <a:srgbClr val="000000"/>
-                </a:solidFill>
-                <a:uFill>
-                  <a:solidFill>
-                    <a:srgbClr val="FFFFFF"/>
-                  </a:solidFill>
-                </a:uFill>
-                <a:latin typeface="Calibri"/>
+                <a:cs typeface="Calibri" pitchFamily="34" charset="0"/>
+              </a:rPr>
+              <a:t>Converted 12 experiments from flash to </a:t>
+            </a:r>
+            <a:r>
+              <a:rPr lang="en-IN" sz="2400" spc="-1" dirty="0" smtClean="0">
+                <a:solidFill>
+                  <a:srgbClr val="000000"/>
+                </a:solidFill>
+                <a:uFill>
+                  <a:solidFill>
+                    <a:srgbClr val="FFFFFF"/>
+                  </a:solidFill>
+                </a:uFill>
+                <a:latin typeface="Calibri" pitchFamily="34" charset="0"/>
                 <a:ea typeface="Verdana"/>
-              </a:rPr>
-              <a:t>javascript</a:t>
-            </a:r>
-            <a:r>
-              <a:rPr lang="en-IN" sz="2400" b="0" strike="noStrike" spc="-1" dirty="0">
-                <a:solidFill>
-                  <a:srgbClr val="000000"/>
-                </a:solidFill>
-                <a:uFill>
-                  <a:solidFill>
-                    <a:srgbClr val="FFFFFF"/>
-                  </a:solidFill>
-                </a:uFill>
-                <a:latin typeface="Calibri"/>
+                <a:cs typeface="Calibri" pitchFamily="34" charset="0"/>
+              </a:rPr>
+              <a:t>J</a:t>
+            </a:r>
+            <a:r>
+              <a:rPr lang="en-IN" sz="2400" b="0" strike="noStrike" spc="-1" dirty="0" smtClean="0">
+                <a:solidFill>
+                  <a:srgbClr val="000000"/>
+                </a:solidFill>
+                <a:uFill>
+                  <a:solidFill>
+                    <a:srgbClr val="FFFFFF"/>
+                  </a:solidFill>
+                </a:uFill>
+                <a:latin typeface="Calibri" pitchFamily="34" charset="0"/>
                 <a:ea typeface="Verdana"/>
-              </a:rPr>
-              <a:t> </a:t>
-            </a:r>
-            <a:endParaRPr lang="en-IN" sz="1800" b="0" strike="noStrike" spc="-1" dirty="0">
-              <a:solidFill>
-                <a:srgbClr val="000000"/>
-              </a:solidFill>
-              <a:uFill>
-                <a:solidFill>
-                  <a:srgbClr val="FFFFFF"/>
-                </a:solidFill>
-              </a:uFill>
-              <a:latin typeface="Arial"/>
+                <a:cs typeface="Calibri" pitchFamily="34" charset="0"/>
+              </a:rPr>
+              <a:t>avaScript. </a:t>
+            </a:r>
+            <a:endParaRPr lang="en-IN" sz="2400" b="0" strike="noStrike" spc="-1" dirty="0">
+              <a:solidFill>
+                <a:srgbClr val="000000"/>
+              </a:solidFill>
+              <a:uFill>
+                <a:solidFill>
+                  <a:srgbClr val="FFFFFF"/>
+                </a:solidFill>
+              </a:uFill>
+              <a:latin typeface="Calibri" pitchFamily="34" charset="0"/>
+              <a:cs typeface="Calibri" pitchFamily="34" charset="0"/>
             </a:endParaRPr>
           </a:p>
           <a:p>
@@ -2973,21 +3378,72 @@
                     <a:srgbClr val="FFFFFF"/>
                   </a:solidFill>
                 </a:uFill>
-                <a:latin typeface="Calibri"/>
+                <a:latin typeface="Calibri" pitchFamily="34" charset="0"/>
                 <a:ea typeface="Verdana"/>
-              </a:rPr>
-              <a:t>2. An average of 3 days for conversion of each experiment.</a:t>
-            </a:r>
-            <a:endParaRPr lang="en-IN" sz="1800" b="0" strike="noStrike" spc="-1" dirty="0">
-              <a:solidFill>
-                <a:srgbClr val="000000"/>
-              </a:solidFill>
-              <a:uFill>
-                <a:solidFill>
-                  <a:srgbClr val="FFFFFF"/>
-                </a:solidFill>
-              </a:uFill>
-              <a:latin typeface="Arial"/>
+                <a:cs typeface="Calibri" pitchFamily="34" charset="0"/>
+              </a:rPr>
+              <a:t>2</a:t>
+            </a:r>
+            <a:r>
+              <a:rPr lang="en-IN" sz="2400" b="0" strike="noStrike" spc="-1" dirty="0" smtClean="0">
+                <a:solidFill>
+                  <a:srgbClr val="000000"/>
+                </a:solidFill>
+                <a:uFill>
+                  <a:solidFill>
+                    <a:srgbClr val="FFFFFF"/>
+                  </a:solidFill>
+                </a:uFill>
+                <a:latin typeface="Calibri" pitchFamily="34" charset="0"/>
+                <a:ea typeface="Verdana"/>
+                <a:cs typeface="Calibri" pitchFamily="34" charset="0"/>
+              </a:rPr>
+              <a:t>. An </a:t>
+            </a:r>
+            <a:r>
+              <a:rPr lang="en-IN" sz="2400" b="0" strike="noStrike" spc="-1" dirty="0">
+                <a:solidFill>
+                  <a:srgbClr val="000000"/>
+                </a:solidFill>
+                <a:uFill>
+                  <a:solidFill>
+                    <a:srgbClr val="FFFFFF"/>
+                  </a:solidFill>
+                </a:uFill>
+                <a:latin typeface="Calibri" pitchFamily="34" charset="0"/>
+                <a:ea typeface="Verdana"/>
+                <a:cs typeface="Calibri" pitchFamily="34" charset="0"/>
+              </a:rPr>
+              <a:t>average of 3 days for conversion of each </a:t>
+            </a:r>
+            <a:r>
+              <a:rPr lang="en-IN" sz="2400" b="0" strike="noStrike" spc="-1" dirty="0" smtClean="0">
+                <a:solidFill>
+                  <a:srgbClr val="000000"/>
+                </a:solidFill>
+                <a:uFill>
+                  <a:solidFill>
+                    <a:srgbClr val="FFFFFF"/>
+                  </a:solidFill>
+                </a:uFill>
+                <a:latin typeface="Calibri" pitchFamily="34" charset="0"/>
+                <a:ea typeface="Verdana"/>
+                <a:cs typeface="Calibri" pitchFamily="34" charset="0"/>
+              </a:rPr>
+              <a:t>experiment. </a:t>
+            </a:r>
+            <a:endParaRPr lang="en-IN" sz="2400" spc="-1" dirty="0">
+              <a:solidFill>
+                <a:srgbClr val="000000"/>
+              </a:solidFill>
+              <a:uFill>
+                <a:solidFill>
+                  <a:srgbClr val="FFFFFF"/>
+                </a:solidFill>
+              </a:uFill>
+              <a:latin typeface="Calibri" pitchFamily="34" charset="0"/>
+              <a:ea typeface="Verdana"/>
+              <a:cs typeface="Calibri" pitchFamily="34" charset="0"/>
             </a:endParaRPr>
           </a:p>
           <a:p>
@@ -2997,7 +3453,23 @@
               </a:lnSpc>
             </a:pPr>
             <a:r>
-              <a:rPr lang="en-IN" sz="2400" b="0" strike="noStrike" spc="-1" dirty="0">
+              <a:rPr lang="en-IN" sz="2400" b="0" strike="noStrike" spc="-1" dirty="0" smtClean="0">
+                <a:solidFill>
+                  <a:srgbClr val="000000"/>
+                </a:solidFill>
+                <a:uFill>
+                  <a:solidFill>
+                    <a:srgbClr val="FFFFFF"/>
+                  </a:solidFill>
+                </a:uFill>
+                <a:latin typeface="Calibri" pitchFamily="34" charset="0"/>
+                <a:ea typeface="Verdana"/>
+                <a:cs typeface="Calibri" pitchFamily="34" charset="0"/>
+              </a:rPr>
+              <a:t>3. On an average, it takes 300+ lines of JS and 400+ lines </a:t>
+            </a:r>
+            <a:r>
+              <a:rPr lang="en-IN" sz="2400" spc="-1" dirty="0">
                 <a:solidFill>
                   <a:srgbClr val="000000"/>
                 </a:solidFill>
@@ -3009,7 +3481,22 @@
                 <a:latin typeface="Calibri"/>
                 <a:ea typeface="Verdana"/>
               </a:rPr>
-              <a:t> </a:t>
+              <a:t>o</a:t>
+            </a:r>
+            <a:r>
+              <a:rPr lang="en-IN" sz="2400" b="0" strike="noStrike" spc="-1" dirty="0" smtClean="0">
+                <a:solidFill>
+                  <a:srgbClr val="000000"/>
+                </a:solidFill>
+                <a:uFill>
+                  <a:solidFill>
+                    <a:srgbClr val="FFFFFF"/>
+                  </a:solidFill>
+                </a:uFill>
+                <a:latin typeface="Calibri"/>
+                <a:ea typeface="Verdana"/>
+              </a:rPr>
+              <a:t>f CSS for an experiment.</a:t>
             </a:r>
             <a:endParaRPr lang="en-IN" sz="1800" b="0" strike="noStrike" spc="-1" dirty="0">
               <a:solidFill>
@@ -3027,14 +3514,14 @@
       </p:sp>
       <p:sp>
         <p:nvSpPr>
-          <p:cNvPr id="46" name="CustomShape 10"/>
+          <p:cNvPr id="44" name="CustomShape 10"/>
           <p:cNvSpPr/>
           <p:nvPr/>
         </p:nvSpPr>
         <p:spPr>
           <a:xfrm>
-            <a:off x="12294360" y="8968320"/>
-            <a:ext cx="7771680" cy="1248120"/>
+            <a:off x="12369960" y="5473824"/>
+            <a:ext cx="7771320" cy="4536504"/>
           </a:xfrm>
           <a:prstGeom prst="rect">
             <a:avLst/>
@@ -3066,7 +3553,7 @@
               </a:lnSpc>
             </a:pPr>
             <a:r>
-              <a:rPr lang="en-IN" sz="2800" b="1" strike="noStrike" spc="-1">
+              <a:rPr lang="en-IN" sz="2800" b="1" strike="noStrike" spc="-1" dirty="0">
                 <a:solidFill>
                   <a:srgbClr val="2F99CD"/>
                 </a:solidFill>
@@ -3080,7 +3567,7 @@
               </a:rPr>
               <a:t>CONCLUSIONS</a:t>
             </a:r>
-            <a:endParaRPr lang="en-IN" sz="1800" b="0" strike="noStrike" spc="-1">
+            <a:endParaRPr lang="en-IN" sz="1800" b="0" strike="noStrike" spc="-1" dirty="0">
               <a:solidFill>
                 <a:srgbClr val="000000"/>
               </a:solidFill>
@@ -3098,7 +3585,7 @@
                 <a:spcPct val="100000"/>
               </a:lnSpc>
             </a:pPr>
-            <a:endParaRPr lang="en-IN" sz="1800" b="0" strike="noStrike" spc="-1">
+            <a:endParaRPr lang="en-IN" sz="1800" b="0" strike="noStrike" spc="-1" dirty="0" smtClean="0">
               <a:solidFill>
                 <a:srgbClr val="000000"/>
               </a:solidFill>
@@ -3116,7 +3603,213 @@
                 <a:spcPct val="100000"/>
               </a:lnSpc>
             </a:pPr>
-            <a:endParaRPr lang="en-IN" sz="1800" b="0" strike="noStrike" spc="-1">
+            <a:endParaRPr lang="en-IN" b="0" strike="noStrike" spc="-1" dirty="0" smtClean="0">
+              <a:solidFill>
+                <a:srgbClr val="000000"/>
+              </a:solidFill>
+              <a:uFill>
+                <a:solidFill>
+                  <a:srgbClr val="FFFFFF"/>
+                </a:solidFill>
+              </a:uFill>
+              <a:latin typeface="Calibri" pitchFamily="34" charset="0"/>
+              <a:cs typeface="Calibri" pitchFamily="34" charset="0"/>
+            </a:endParaRPr>
+          </a:p>
+          <a:p>
+            <a:pPr>
+              <a:lnSpc>
+                <a:spcPct val="100000"/>
+              </a:lnSpc>
+            </a:pPr>
+            <a:r>
+              <a:rPr lang="en-IN" sz="2400" spc="-1" dirty="0" smtClean="0">
+                <a:solidFill>
+                  <a:srgbClr val="000000"/>
+                </a:solidFill>
+                <a:uFill>
+                  <a:solidFill>
+                    <a:srgbClr val="FFFFFF"/>
+                  </a:solidFill>
+                </a:uFill>
+                <a:latin typeface="Calibri" pitchFamily="34" charset="0"/>
+                <a:cs typeface="Calibri" pitchFamily="34" charset="0"/>
+              </a:rPr>
+              <a:t>1. </a:t>
+            </a:r>
+            <a:r>
+              <a:rPr lang="en-IN" sz="2400" spc="-1" dirty="0" err="1" smtClean="0">
+                <a:solidFill>
+                  <a:srgbClr val="000000"/>
+                </a:solidFill>
+                <a:uFill>
+                  <a:solidFill>
+                    <a:srgbClr val="FFFFFF"/>
+                  </a:solidFill>
+                </a:uFill>
+                <a:latin typeface="Calibri" pitchFamily="34" charset="0"/>
+                <a:cs typeface="Calibri" pitchFamily="34" charset="0"/>
+              </a:rPr>
+              <a:t>Inspite</a:t>
+            </a:r>
+            <a:r>
+              <a:rPr lang="en-IN" sz="2400" spc="-1" dirty="0" smtClean="0">
+                <a:solidFill>
+                  <a:srgbClr val="000000"/>
+                </a:solidFill>
+                <a:uFill>
+                  <a:solidFill>
+                    <a:srgbClr val="FFFFFF"/>
+                  </a:solidFill>
+                </a:uFill>
+                <a:latin typeface="Calibri" pitchFamily="34" charset="0"/>
+                <a:cs typeface="Calibri" pitchFamily="34" charset="0"/>
+              </a:rPr>
+              <a:t> </a:t>
+            </a:r>
+            <a:r>
+              <a:rPr lang="en-IN" sz="2400" spc="-1" dirty="0">
+                <a:solidFill>
+                  <a:srgbClr val="000000"/>
+                </a:solidFill>
+                <a:uFill>
+                  <a:solidFill>
+                    <a:srgbClr val="FFFFFF"/>
+                  </a:solidFill>
+                </a:uFill>
+                <a:latin typeface="Calibri" pitchFamily="34" charset="0"/>
+                <a:cs typeface="Calibri" pitchFamily="34" charset="0"/>
+              </a:rPr>
+              <a:t>of Flash being a popular interactive media platform for building web pages, it needs to be converted to JavaScript in order to make it Free and open-source</a:t>
+            </a:r>
+            <a:r>
+              <a:rPr lang="en-IN" sz="2400" spc="-1" dirty="0" smtClean="0">
+                <a:solidFill>
+                  <a:srgbClr val="000000"/>
+                </a:solidFill>
+                <a:uFill>
+                  <a:solidFill>
+                    <a:srgbClr val="FFFFFF"/>
+                  </a:solidFill>
+                </a:uFill>
+                <a:latin typeface="Calibri" pitchFamily="34" charset="0"/>
+                <a:cs typeface="Calibri" pitchFamily="34" charset="0"/>
+              </a:rPr>
+              <a:t>.</a:t>
+            </a:r>
+          </a:p>
+          <a:p>
+            <a:pPr>
+              <a:lnSpc>
+                <a:spcPct val="100000"/>
+              </a:lnSpc>
+            </a:pPr>
+            <a:r>
+              <a:rPr lang="en-IN" sz="2400" spc="-1" dirty="0" smtClean="0">
+                <a:solidFill>
+                  <a:srgbClr val="000000"/>
+                </a:solidFill>
+                <a:uFill>
+                  <a:solidFill>
+                    <a:srgbClr val="FFFFFF"/>
+                  </a:solidFill>
+                </a:uFill>
+                <a:latin typeface="Calibri" pitchFamily="34" charset="0"/>
+                <a:cs typeface="Calibri" pitchFamily="34" charset="0"/>
+              </a:rPr>
+              <a:t> </a:t>
+            </a:r>
+            <a:endParaRPr lang="en-IN" sz="2400" b="0" strike="noStrike" spc="-1" dirty="0" smtClean="0">
+              <a:solidFill>
+                <a:srgbClr val="000000"/>
+              </a:solidFill>
+              <a:uFill>
+                <a:solidFill>
+                  <a:srgbClr val="FFFFFF"/>
+                </a:solidFill>
+              </a:uFill>
+              <a:latin typeface="Calibri" pitchFamily="34" charset="0"/>
+              <a:cs typeface="Calibri" pitchFamily="34" charset="0"/>
+            </a:endParaRPr>
+          </a:p>
+          <a:p>
+            <a:pPr>
+              <a:lnSpc>
+                <a:spcPct val="100000"/>
+              </a:lnSpc>
+            </a:pPr>
+            <a:r>
+              <a:rPr lang="en-IN" sz="2400" spc="-1" dirty="0">
+                <a:solidFill>
+                  <a:srgbClr val="000000"/>
+                </a:solidFill>
+                <a:uFill>
+                  <a:solidFill>
+                    <a:srgbClr val="FFFFFF"/>
+                  </a:solidFill>
+                </a:uFill>
+                <a:latin typeface="Calibri" pitchFamily="34" charset="0"/>
+                <a:cs typeface="Calibri" pitchFamily="34" charset="0"/>
+              </a:rPr>
+              <a:t>2. Currently the tools available for conversion are not sophisticated enough to convert more complex animations involved in the experiments. Hence for time being conversion using pure JavaScript and HTML5 is the best option though it is not the efficient method.</a:t>
+            </a:r>
+            <a:endParaRPr lang="en-IN" sz="2400" b="0" strike="noStrike" spc="-1" dirty="0" smtClean="0">
+              <a:solidFill>
+                <a:srgbClr val="000000"/>
+              </a:solidFill>
+              <a:uFill>
+                <a:solidFill>
+                  <a:srgbClr val="FFFFFF"/>
+                </a:solidFill>
+              </a:uFill>
+              <a:latin typeface="Calibri" pitchFamily="34" charset="0"/>
+              <a:cs typeface="Calibri" pitchFamily="34" charset="0"/>
+            </a:endParaRPr>
+          </a:p>
+          <a:p>
+            <a:pPr>
+              <a:lnSpc>
+                <a:spcPct val="100000"/>
+              </a:lnSpc>
+            </a:pPr>
+            <a:endParaRPr lang="en-IN" b="0" strike="noStrike" spc="-1" dirty="0" smtClean="0">
+              <a:solidFill>
+                <a:srgbClr val="000000"/>
+              </a:solidFill>
+              <a:uFill>
+                <a:solidFill>
+                  <a:srgbClr val="FFFFFF"/>
+                </a:solidFill>
+              </a:uFill>
+              <a:latin typeface="Calibri" pitchFamily="34" charset="0"/>
+              <a:cs typeface="Calibri" pitchFamily="34" charset="0"/>
+            </a:endParaRPr>
+          </a:p>
+          <a:p>
+            <a:pPr>
+              <a:lnSpc>
+                <a:spcPct val="100000"/>
+              </a:lnSpc>
+            </a:pPr>
+            <a:endParaRPr lang="en-IN" sz="1800" b="0" strike="noStrike" spc="-1" dirty="0">
+              <a:solidFill>
+                <a:srgbClr val="000000"/>
+              </a:solidFill>
+              <a:uFill>
+                <a:solidFill>
+                  <a:srgbClr val="FFFFFF"/>
+                </a:solidFill>
+              </a:uFill>
+              <a:latin typeface="Arial"/>
+            </a:endParaRPr>
+          </a:p>
+          <a:p>
+            <a:pPr>
+              <a:lnSpc>
+                <a:spcPct val="100000"/>
+              </a:lnSpc>
+            </a:pPr>
+            <a:endParaRPr lang="en-IN" sz="1800" b="0" strike="noStrike" spc="-1" dirty="0">
               <a:solidFill>
                 <a:srgbClr val="000000"/>
               </a:solidFill>
@@ -3132,14 +3825,14 @@
       </p:sp>
       <p:sp>
         <p:nvSpPr>
-          <p:cNvPr id="47" name="CustomShape 11"/>
+          <p:cNvPr id="45" name="CustomShape 11"/>
           <p:cNvSpPr/>
           <p:nvPr/>
         </p:nvSpPr>
         <p:spPr>
           <a:xfrm>
             <a:off x="14656680" y="12967920"/>
-            <a:ext cx="5790600" cy="1186560"/>
+            <a:ext cx="5790240" cy="1186200"/>
           </a:xfrm>
           <a:prstGeom prst="rect">
             <a:avLst/>
@@ -3171,7 +3864,7 @@
               </a:lnSpc>
             </a:pPr>
             <a:r>
-              <a:rPr lang="en-IN" spc="-1" dirty="0">
+              <a:rPr lang="en-IN" sz="1800" b="0" strike="noStrike" spc="-1">
                 <a:solidFill>
                   <a:srgbClr val="808080"/>
                 </a:solidFill>
@@ -3180,101 +3873,22 @@
                     <a:srgbClr val="FFFFFF"/>
                   </a:solidFill>
                 </a:uFill>
-                <a:latin typeface="Calibri" pitchFamily="34" charset="0"/>
-                <a:cs typeface="Calibri" pitchFamily="34" charset="0"/>
-              </a:rPr>
-              <a:t>Developers name: 1. </a:t>
-            </a:r>
-            <a:r>
-              <a:rPr lang="en-IN" spc="-1" dirty="0" err="1">
-                <a:solidFill>
-                  <a:srgbClr val="808080"/>
-                </a:solidFill>
-                <a:uFill>
-                  <a:solidFill>
-                    <a:srgbClr val="FFFFFF"/>
-                  </a:solidFill>
-                </a:uFill>
-                <a:latin typeface="Calibri" pitchFamily="34" charset="0"/>
-                <a:cs typeface="Calibri" pitchFamily="34" charset="0"/>
-              </a:rPr>
-              <a:t>Kalpit</a:t>
-            </a:r>
-            <a:r>
-              <a:rPr lang="en-IN" spc="-1" dirty="0">
-                <a:solidFill>
-                  <a:srgbClr val="808080"/>
-                </a:solidFill>
-                <a:uFill>
-                  <a:solidFill>
-                    <a:srgbClr val="FFFFFF"/>
-                  </a:solidFill>
-                </a:uFill>
-                <a:latin typeface="Calibri" pitchFamily="34" charset="0"/>
-                <a:cs typeface="Calibri" pitchFamily="34" charset="0"/>
-              </a:rPr>
-              <a:t> </a:t>
-            </a:r>
-            <a:r>
-              <a:rPr lang="en-IN" spc="-1" dirty="0" err="1">
-                <a:solidFill>
-                  <a:srgbClr val="808080"/>
-                </a:solidFill>
-                <a:uFill>
-                  <a:solidFill>
-                    <a:srgbClr val="FFFFFF"/>
-                  </a:solidFill>
-                </a:uFill>
-                <a:latin typeface="Calibri" pitchFamily="34" charset="0"/>
-                <a:cs typeface="Calibri" pitchFamily="34" charset="0"/>
-              </a:rPr>
-              <a:t>Pokra</a:t>
-            </a:r>
-            <a:r>
-              <a:rPr lang="en-IN" spc="-1" dirty="0">
-                <a:solidFill>
-                  <a:srgbClr val="808080"/>
-                </a:solidFill>
-                <a:uFill>
-                  <a:solidFill>
-                    <a:srgbClr val="FFFFFF"/>
-                  </a:solidFill>
-                </a:uFill>
-                <a:latin typeface="Calibri" pitchFamily="34" charset="0"/>
-                <a:cs typeface="Calibri" pitchFamily="34" charset="0"/>
-              </a:rPr>
-              <a:t>  2. </a:t>
-            </a:r>
-            <a:r>
-              <a:rPr lang="en-IN" spc="-1" dirty="0" err="1">
-                <a:solidFill>
-                  <a:srgbClr val="808080"/>
-                </a:solidFill>
-                <a:uFill>
-                  <a:solidFill>
-                    <a:srgbClr val="FFFFFF"/>
-                  </a:solidFill>
-                </a:uFill>
-                <a:latin typeface="Calibri" pitchFamily="34" charset="0"/>
-                <a:cs typeface="Calibri" pitchFamily="34" charset="0"/>
-              </a:rPr>
-              <a:t>Mahee</a:t>
-            </a:r>
-            <a:r>
-              <a:rPr lang="en-IN" spc="-1" dirty="0">
-                <a:solidFill>
-                  <a:srgbClr val="808080"/>
-                </a:solidFill>
-                <a:uFill>
-                  <a:solidFill>
-                    <a:srgbClr val="FFFFFF"/>
-                  </a:solidFill>
-                </a:uFill>
-                <a:latin typeface="Calibri" pitchFamily="34" charset="0"/>
-                <a:cs typeface="Calibri" pitchFamily="34" charset="0"/>
-              </a:rPr>
-              <a:t> Surya</a:t>
-            </a:r>
+                <a:latin typeface="Calibri"/>
+                <a:ea typeface="DejaVu Sans"/>
+              </a:rPr>
+              <a:t>Interns: 1. Kalpit Pokra  2. Mahee Surya</a:t>
+            </a:r>
+            <a:endParaRPr lang="en-IN" sz="1800" b="0" strike="noStrike" spc="-1">
+              <a:solidFill>
+                <a:srgbClr val="000000"/>
+              </a:solidFill>
+              <a:uFill>
+                <a:solidFill>
+                  <a:srgbClr val="FFFFFF"/>
+                </a:solidFill>
+              </a:uFill>
+              <a:latin typeface="Arial"/>
+            </a:endParaRPr>
           </a:p>
           <a:p>
             <a:pPr>
@@ -3283,7 +3897,7 @@
               </a:lnSpc>
             </a:pPr>
             <a:r>
-              <a:rPr lang="en-IN" spc="-1" dirty="0" smtClean="0">
+              <a:rPr lang="en-IN" sz="1800" b="0" strike="noStrike" spc="-1">
                 <a:solidFill>
                   <a:srgbClr val="808080"/>
                 </a:solidFill>
@@ -3292,186 +3906,51 @@
                     <a:srgbClr val="FFFFFF"/>
                   </a:solidFill>
                 </a:uFill>
-                <a:latin typeface="Calibri" pitchFamily="34" charset="0"/>
-                <a:cs typeface="Calibri" pitchFamily="34" charset="0"/>
-              </a:rPr>
-              <a:t>Mentor name</a:t>
-            </a:r>
-            <a:r>
-              <a:rPr lang="en-IN" spc="-1" dirty="0" smtClean="0">
-                <a:solidFill>
-                  <a:schemeClr val="bg1">
-                    <a:lumMod val="50000"/>
-                  </a:schemeClr>
-                </a:solidFill>
-                <a:uFill>
-                  <a:solidFill>
-                    <a:srgbClr val="FFFFFF"/>
-                  </a:solidFill>
-                </a:uFill>
-                <a:latin typeface="Calibri" pitchFamily="34" charset="0"/>
-                <a:cs typeface="Calibri" pitchFamily="34" charset="0"/>
-              </a:rPr>
-              <a:t>: 1.</a:t>
-            </a:r>
-            <a:r>
-              <a:rPr lang="en-IN" spc="-1" dirty="0">
-                <a:solidFill>
-                  <a:srgbClr val="000000"/>
-                </a:solidFill>
-                <a:uFill>
-                  <a:solidFill>
-                    <a:srgbClr val="FFFFFF"/>
-                  </a:solidFill>
-                </a:uFill>
-                <a:latin typeface="Calibri" pitchFamily="34" charset="0"/>
-                <a:cs typeface="Calibri" pitchFamily="34" charset="0"/>
+                <a:latin typeface="Calibri"/>
+                <a:ea typeface="DejaVu Sans"/>
+              </a:rPr>
+              <a:t>Mentors: 1.</a:t>
+            </a:r>
+            <a:r>
+              <a:rPr lang="en-IN" sz="1800" b="0" strike="noStrike" spc="-1">
+                <a:solidFill>
+                  <a:srgbClr val="000000"/>
+                </a:solidFill>
+                <a:uFill>
+                  <a:solidFill>
+                    <a:srgbClr val="FFFFFF"/>
+                  </a:solidFill>
+                </a:uFill>
+                <a:latin typeface="Calibri"/>
+                <a:ea typeface="DejaVu Sans"/>
               </a:rPr>
               <a:t> </a:t>
             </a:r>
             <a:r>
-              <a:rPr lang="en-IN" spc="-1" dirty="0" err="1" smtClean="0">
-                <a:solidFill>
-                  <a:schemeClr val="bg1">
-                    <a:lumMod val="50000"/>
-                  </a:schemeClr>
-                </a:solidFill>
-                <a:uFill>
-                  <a:solidFill>
-                    <a:srgbClr val="FFFFFF"/>
-                  </a:solidFill>
-                </a:uFill>
-                <a:latin typeface="Calibri" pitchFamily="34" charset="0"/>
-                <a:cs typeface="Calibri" pitchFamily="34" charset="0"/>
-              </a:rPr>
-              <a:t>Lalit</a:t>
-            </a:r>
-            <a:r>
-              <a:rPr lang="en-IN" spc="-1" dirty="0" smtClean="0">
-                <a:solidFill>
-                  <a:schemeClr val="bg1">
-                    <a:lumMod val="50000"/>
-                  </a:schemeClr>
-                </a:solidFill>
-                <a:uFill>
-                  <a:solidFill>
-                    <a:srgbClr val="FFFFFF"/>
-                  </a:solidFill>
-                </a:uFill>
-                <a:latin typeface="Calibri" pitchFamily="34" charset="0"/>
-                <a:cs typeface="Calibri" pitchFamily="34" charset="0"/>
-              </a:rPr>
-              <a:t> Mohan 2. </a:t>
-            </a:r>
-            <a:r>
-              <a:rPr lang="en-IN" dirty="0" err="1" smtClean="0">
-                <a:solidFill>
-                  <a:schemeClr val="bg1">
-                    <a:lumMod val="50000"/>
-                  </a:schemeClr>
-                </a:solidFill>
-                <a:latin typeface="Calibri" pitchFamily="34" charset="0"/>
-                <a:cs typeface="Calibri" pitchFamily="34" charset="0"/>
-              </a:rPr>
-              <a:t>Sravanthi</a:t>
-            </a:r>
-            <a:r>
-              <a:rPr lang="en-IN" dirty="0" smtClean="0">
-                <a:solidFill>
-                  <a:schemeClr val="bg1">
-                    <a:lumMod val="50000"/>
-                  </a:schemeClr>
-                </a:solidFill>
-                <a:latin typeface="Calibri" pitchFamily="34" charset="0"/>
-                <a:cs typeface="Calibri" pitchFamily="34" charset="0"/>
-              </a:rPr>
-              <a:t> </a:t>
-            </a:r>
-            <a:r>
-              <a:rPr lang="en-IN" dirty="0" err="1" smtClean="0">
-                <a:solidFill>
-                  <a:schemeClr val="bg1">
-                    <a:lumMod val="50000"/>
-                  </a:schemeClr>
-                </a:solidFill>
-                <a:latin typeface="Calibri" pitchFamily="34" charset="0"/>
-                <a:cs typeface="Calibri" pitchFamily="34" charset="0"/>
-              </a:rPr>
-              <a:t>Bhattlapenumarthi</a:t>
-            </a:r>
-            <a:r>
-              <a:rPr lang="en-IN" dirty="0" smtClean="0">
-                <a:solidFill>
-                  <a:schemeClr val="bg1">
-                    <a:lumMod val="50000"/>
-                  </a:schemeClr>
-                </a:solidFill>
-                <a:latin typeface="Calibri" pitchFamily="34" charset="0"/>
-                <a:cs typeface="Calibri" pitchFamily="34" charset="0"/>
-              </a:rPr>
-              <a:t>  3. </a:t>
-            </a:r>
-            <a:r>
-              <a:rPr lang="en-IN" dirty="0" err="1" smtClean="0">
-                <a:solidFill>
-                  <a:schemeClr val="bg1">
-                    <a:lumMod val="50000"/>
-                  </a:schemeClr>
-                </a:solidFill>
-                <a:latin typeface="Calibri" pitchFamily="34" charset="0"/>
-                <a:cs typeface="Calibri" pitchFamily="34" charset="0"/>
-              </a:rPr>
-              <a:t>Sravanthi</a:t>
-            </a:r>
-            <a:r>
-              <a:rPr lang="en-IN" dirty="0" smtClean="0">
-                <a:solidFill>
-                  <a:schemeClr val="bg1">
-                    <a:lumMod val="50000"/>
-                  </a:schemeClr>
-                </a:solidFill>
-                <a:latin typeface="Calibri" pitchFamily="34" charset="0"/>
-                <a:cs typeface="Calibri" pitchFamily="34" charset="0"/>
-              </a:rPr>
-              <a:t> </a:t>
-            </a:r>
-            <a:r>
-              <a:rPr lang="en-IN" dirty="0" err="1" smtClean="0">
-                <a:solidFill>
-                  <a:schemeClr val="bg1">
-                    <a:lumMod val="50000"/>
-                  </a:schemeClr>
-                </a:solidFill>
-                <a:latin typeface="Calibri" pitchFamily="34" charset="0"/>
-                <a:cs typeface="Calibri" pitchFamily="34" charset="0"/>
-              </a:rPr>
-              <a:t>Modepu</a:t>
-            </a:r>
-            <a:r>
-              <a:rPr lang="en-IN" dirty="0" smtClean="0">
-                <a:solidFill>
-                  <a:schemeClr val="bg1">
-                    <a:lumMod val="50000"/>
-                  </a:schemeClr>
-                </a:solidFill>
-                <a:latin typeface="Calibri" pitchFamily="34" charset="0"/>
-                <a:cs typeface="Calibri" pitchFamily="34" charset="0"/>
-              </a:rPr>
-              <a:t> </a:t>
-            </a:r>
-            <a:endParaRPr lang="en-IN" spc="-1" dirty="0">
-              <a:solidFill>
-                <a:schemeClr val="bg1">
-                  <a:lumMod val="50000"/>
-                </a:schemeClr>
-              </a:solidFill>
-              <a:uFill>
-                <a:solidFill>
-                  <a:srgbClr val="FFFFFF"/>
-                </a:solidFill>
-              </a:uFill>
-              <a:latin typeface="Calibri" pitchFamily="34" charset="0"/>
-              <a:cs typeface="Calibri" pitchFamily="34" charset="0"/>
+              <a:rPr lang="en-IN" sz="1800" b="0" strike="noStrike" spc="-1">
+                <a:solidFill>
+                  <a:srgbClr val="808080"/>
+                </a:solidFill>
+                <a:uFill>
+                  <a:solidFill>
+                    <a:srgbClr val="FFFFFF"/>
+                  </a:solidFill>
+                </a:uFill>
+                <a:latin typeface="Calibri"/>
+                <a:ea typeface="DejaVu Sans"/>
+              </a:rPr>
+              <a:t>Lalit Mohan 2. Sravanthi Bhattlapenumarthi  3. Sravanthi Modepu </a:t>
+            </a:r>
+            <a:endParaRPr lang="en-IN" sz="1800" b="0" strike="noStrike" spc="-1">
+              <a:solidFill>
+                <a:srgbClr val="000000"/>
+              </a:solidFill>
+              <a:uFill>
+                <a:solidFill>
+                  <a:srgbClr val="FFFFFF"/>
+                </a:solidFill>
+              </a:uFill>
+              <a:latin typeface="Arial"/>
             </a:endParaRPr>
           </a:p>
           <a:p>
@@ -3480,7 +3959,7 @@
                 <a:spcPct val="100000"/>
               </a:lnSpc>
             </a:pPr>
-            <a:endParaRPr lang="en-IN" sz="1800" b="0" strike="noStrike" spc="-1" dirty="0">
+            <a:endParaRPr lang="en-IN" sz="1800" b="0" strike="noStrike" spc="-1">
               <a:solidFill>
                 <a:srgbClr val="000000"/>
               </a:solidFill>
@@ -3496,7 +3975,7 @@
       </p:sp>
       <p:pic>
         <p:nvPicPr>
-          <p:cNvPr id="48" name="Picture 26"/>
+          <p:cNvPr id="46" name="Picture 26"/>
           <p:cNvPicPr/>
           <p:nvPr/>
         </p:nvPicPr>
@@ -3507,7 +3986,7 @@
         <p:spPr>
           <a:xfrm>
             <a:off x="12369960" y="12362760"/>
-            <a:ext cx="2209680" cy="1476000"/>
+            <a:ext cx="2209320" cy="1475640"/>
           </a:xfrm>
           <a:prstGeom prst="rect">
             <a:avLst/>
@@ -3519,14 +3998,14 @@
       </p:pic>
       <p:sp>
         <p:nvSpPr>
-          <p:cNvPr id="49" name="CustomShape 12"/>
+          <p:cNvPr id="47" name="CustomShape 12"/>
           <p:cNvSpPr/>
           <p:nvPr/>
         </p:nvSpPr>
         <p:spPr>
           <a:xfrm rot="4200">
-            <a:off x="12049560" y="8714520"/>
-            <a:ext cx="8774640" cy="3505320"/>
+            <a:off x="12027140" y="5082186"/>
+            <a:ext cx="8774280" cy="7160387"/>
           </a:xfrm>
           <a:prstGeom prst="rect">
             <a:avLst/>
@@ -3578,57 +4057,17 @@
                 <a:spcPct val="100000"/>
               </a:lnSpc>
             </a:pPr>
-            <a:endParaRPr lang="en-IN" sz="2000" dirty="0" smtClean="0">
+            <a:endParaRPr lang="en-IN" sz="2400" b="0" strike="noStrike" spc="-1" dirty="0">
+              <a:solidFill>
+                <a:srgbClr val="000000"/>
+              </a:solidFill>
+              <a:uFill>
+                <a:solidFill>
+                  <a:srgbClr val="FFFFFF"/>
+                </a:solidFill>
+              </a:uFill>
               <a:latin typeface="Calibri" pitchFamily="34" charset="0"/>
               <a:cs typeface="Calibri" pitchFamily="34" charset="0"/>
-            </a:endParaRPr>
-          </a:p>
-          <a:p>
-            <a:pPr>
-              <a:lnSpc>
-                <a:spcPct val="100000"/>
-              </a:lnSpc>
-            </a:pPr>
-            <a:r>
-              <a:rPr lang="en-IN" sz="2000" dirty="0" err="1" smtClean="0">
-                <a:latin typeface="Calibri" pitchFamily="34" charset="0"/>
-                <a:cs typeface="Calibri" pitchFamily="34" charset="0"/>
-              </a:rPr>
-              <a:t>Inspite</a:t>
-            </a:r>
-            <a:r>
-              <a:rPr lang="en-IN" sz="2000" dirty="0" smtClean="0">
-                <a:latin typeface="Calibri" pitchFamily="34" charset="0"/>
-                <a:cs typeface="Calibri" pitchFamily="34" charset="0"/>
-              </a:rPr>
-              <a:t> of Flash being a popular interactive media platform for building web pages, it needs to be converted to JavaScript in order to make it Free and open-source. Currently the tools available for conversion are not sophisticated enough to convert more complex animations involved in the experiments. Hence for time being conversion using pure JavaScript and HTML5 is the best option though it is not the efficient method.</a:t>
-            </a:r>
-            <a:endParaRPr lang="en-IN" sz="2000" b="0" strike="noStrike" spc="-1" dirty="0" smtClean="0">
-              <a:uFill>
-                <a:solidFill>
-                  <a:srgbClr val="FFFFFF"/>
-                </a:solidFill>
-              </a:uFill>
-              <a:latin typeface="Calibri" pitchFamily="34" charset="0"/>
-              <a:cs typeface="Calibri" pitchFamily="34" charset="0"/>
-            </a:endParaRPr>
-          </a:p>
-          <a:p>
-            <a:pPr>
-              <a:lnSpc>
-                <a:spcPct val="100000"/>
-              </a:lnSpc>
-            </a:pPr>
-            <a:endParaRPr lang="en-IN" sz="2000" b="0" strike="noStrike" spc="-1" dirty="0">
-              <a:solidFill>
-                <a:srgbClr val="000000"/>
-              </a:solidFill>
-              <a:uFill>
-                <a:solidFill>
-                  <a:srgbClr val="FFFFFF"/>
-                </a:solidFill>
-              </a:uFill>
-              <a:latin typeface="Arial"/>
             </a:endParaRPr>
           </a:p>
         </p:txBody>
